--- a/PPT模板及制作/SRSppt .pptx
+++ b/PPT模板及制作/SRSppt .pptx
@@ -5,10 +5,10 @@
     <p:sldMasterId id="2147483648" r:id="rId1"/>
   </p:sldMasterIdLst>
   <p:notesMasterIdLst>
-    <p:notesMasterId r:id="rId52"/>
+    <p:notesMasterId r:id="rId49"/>
   </p:notesMasterIdLst>
   <p:handoutMasterIdLst>
-    <p:handoutMasterId r:id="rId53"/>
+    <p:handoutMasterId r:id="rId50"/>
   </p:handoutMasterIdLst>
   <p:sldIdLst>
     <p:sldId id="330" r:id="rId2"/>
@@ -34,33 +34,30 @@
     <p:sldId id="372" r:id="rId22"/>
     <p:sldId id="373" r:id="rId23"/>
     <p:sldId id="375" r:id="rId24"/>
-    <p:sldId id="374" r:id="rId25"/>
-    <p:sldId id="377" r:id="rId26"/>
-    <p:sldId id="379" r:id="rId27"/>
-    <p:sldId id="380" r:id="rId28"/>
-    <p:sldId id="312" r:id="rId29"/>
-    <p:sldId id="382" r:id="rId30"/>
-    <p:sldId id="383" r:id="rId31"/>
-    <p:sldId id="389" r:id="rId32"/>
-    <p:sldId id="390" r:id="rId33"/>
-    <p:sldId id="384" r:id="rId34"/>
-    <p:sldId id="391" r:id="rId35"/>
-    <p:sldId id="392" r:id="rId36"/>
-    <p:sldId id="385" r:id="rId37"/>
-    <p:sldId id="393" r:id="rId38"/>
-    <p:sldId id="394" r:id="rId39"/>
-    <p:sldId id="395" r:id="rId40"/>
-    <p:sldId id="407" r:id="rId41"/>
-    <p:sldId id="386" r:id="rId42"/>
-    <p:sldId id="396" r:id="rId43"/>
-    <p:sldId id="387" r:id="rId44"/>
-    <p:sldId id="398" r:id="rId45"/>
-    <p:sldId id="406" r:id="rId46"/>
-    <p:sldId id="388" r:id="rId47"/>
-    <p:sldId id="402" r:id="rId48"/>
-    <p:sldId id="403" r:id="rId49"/>
-    <p:sldId id="405" r:id="rId50"/>
-    <p:sldId id="356" r:id="rId51"/>
+    <p:sldId id="377" r:id="rId25"/>
+    <p:sldId id="379" r:id="rId26"/>
+    <p:sldId id="380" r:id="rId27"/>
+    <p:sldId id="312" r:id="rId28"/>
+    <p:sldId id="382" r:id="rId29"/>
+    <p:sldId id="383" r:id="rId30"/>
+    <p:sldId id="389" r:id="rId31"/>
+    <p:sldId id="384" r:id="rId32"/>
+    <p:sldId id="391" r:id="rId33"/>
+    <p:sldId id="385" r:id="rId34"/>
+    <p:sldId id="393" r:id="rId35"/>
+    <p:sldId id="394" r:id="rId36"/>
+    <p:sldId id="395" r:id="rId37"/>
+    <p:sldId id="407" r:id="rId38"/>
+    <p:sldId id="386" r:id="rId39"/>
+    <p:sldId id="396" r:id="rId40"/>
+    <p:sldId id="387" r:id="rId41"/>
+    <p:sldId id="398" r:id="rId42"/>
+    <p:sldId id="406" r:id="rId43"/>
+    <p:sldId id="388" r:id="rId44"/>
+    <p:sldId id="402" r:id="rId45"/>
+    <p:sldId id="403" r:id="rId46"/>
+    <p:sldId id="405" r:id="rId47"/>
+    <p:sldId id="356" r:id="rId48"/>
   </p:sldIdLst>
   <p:sldSz cx="12192000" cy="6858000"/>
   <p:notesSz cx="7104063" cy="10234613"/>
@@ -21435,252 +21432,53 @@
                   <a:cs typeface="+mn-ea"/>
                   <a:sym typeface="+mn-lt"/>
                 </a:rPr>
-                <a:t>对话框图</a:t>
-              </a:r>
-            </a:p>
-          </p:txBody>
-        </p:sp>
-      </p:grpSp>
-    </p:spTree>
-    <p:extLst>
-      <p:ext uri="{BB962C8B-B14F-4D97-AF65-F5344CB8AC3E}">
-        <p14:creationId xmlns:p14="http://schemas.microsoft.com/office/powerpoint/2010/main" val="1243366996"/>
-      </p:ext>
-    </p:extLst>
-  </p:cSld>
-  <p:clrMapOvr>
-    <a:masterClrMapping/>
-  </p:clrMapOvr>
-</p:sld>
-</file>
-
-<file path=ppt/slides/slide25.xml><?xml version="1.0" encoding="utf-8"?>
-<p:sld xmlns:a="http://schemas.openxmlformats.org/drawingml/2006/main" xmlns:r="http://schemas.openxmlformats.org/officeDocument/2006/relationships" xmlns:p="http://schemas.openxmlformats.org/presentationml/2006/main">
-  <p:cSld>
-    <p:spTree>
-      <p:nvGrpSpPr>
-        <p:cNvPr id="1" name=""/>
-        <p:cNvGrpSpPr/>
-        <p:nvPr/>
-      </p:nvGrpSpPr>
-      <p:grpSpPr>
-        <a:xfrm>
-          <a:off x="0" y="0"/>
-          <a:ext cx="0" cy="0"/>
-          <a:chOff x="0" y="0"/>
-          <a:chExt cx="0" cy="0"/>
-        </a:xfrm>
-      </p:grpSpPr>
-      <p:grpSp>
-        <p:nvGrpSpPr>
-          <p:cNvPr id="34" name="组合 33"/>
-          <p:cNvGrpSpPr/>
-          <p:nvPr/>
-        </p:nvGrpSpPr>
-        <p:grpSpPr>
-          <a:xfrm>
-            <a:off x="-53340" y="-2659380"/>
-            <a:ext cx="3083560" cy="6671310"/>
-            <a:chOff x="-84" y="-4188"/>
-            <a:chExt cx="4856" cy="10506"/>
-          </a:xfrm>
-        </p:grpSpPr>
-        <p:grpSp>
-          <p:nvGrpSpPr>
-            <p:cNvPr id="33" name="组合 32"/>
-            <p:cNvGrpSpPr/>
-            <p:nvPr/>
-          </p:nvGrpSpPr>
-          <p:grpSpPr>
-            <a:xfrm rot="17700000" flipH="1">
-              <a:off x="-3129" y="-1143"/>
-              <a:ext cx="10506" cy="4416"/>
-              <a:chOff x="4235" y="0"/>
-              <a:chExt cx="10192" cy="3964"/>
-            </a:xfrm>
-          </p:grpSpPr>
-          <p:grpSp>
-            <p:nvGrpSpPr>
-              <p:cNvPr id="35" name="组合 34"/>
-              <p:cNvGrpSpPr/>
-              <p:nvPr/>
-            </p:nvGrpSpPr>
-            <p:grpSpPr>
-              <a:xfrm>
-                <a:off x="4235" y="0"/>
-                <a:ext cx="9919" cy="3964"/>
-                <a:chOff x="4235" y="0"/>
-                <a:chExt cx="9919" cy="3964"/>
-              </a:xfrm>
-            </p:grpSpPr>
-            <p:pic>
-              <p:nvPicPr>
-                <p:cNvPr id="36" name="图片 35" descr="400083054"/>
-                <p:cNvPicPr>
-                  <a:picLocks noChangeAspect="1"/>
-                </p:cNvPicPr>
-                <p:nvPr/>
-              </p:nvPicPr>
-              <p:blipFill>
-                <a:blip r:embed="rId2"/>
-                <a:srcRect l="20170" r="22753" b="67620"/>
-                <a:stretch>
-                  <a:fillRect/>
-                </a:stretch>
-              </p:blipFill>
-              <p:spPr>
-                <a:xfrm>
-                  <a:off x="5114" y="0"/>
-                  <a:ext cx="9041" cy="3419"/>
-                </a:xfrm>
-                <a:prstGeom prst="rect">
-                  <a:avLst/>
-                </a:prstGeom>
-              </p:spPr>
-            </p:pic>
-            <p:sp>
-              <p:nvSpPr>
-                <p:cNvPr id="37" name="矩形 36"/>
-                <p:cNvSpPr/>
-                <p:nvPr/>
-              </p:nvSpPr>
-              <p:spPr>
-                <a:xfrm>
-                  <a:off x="4235" y="2664"/>
-                  <a:ext cx="5124" cy="1301"/>
-                </a:xfrm>
-                <a:prstGeom prst="rect">
-                  <a:avLst/>
-                </a:prstGeom>
-                <a:solidFill>
-                  <a:srgbClr val="FFFFFF"/>
-                </a:solidFill>
-                <a:ln>
-                  <a:noFill/>
-                </a:ln>
-              </p:spPr>
-              <p:style>
-                <a:lnRef idx="2">
-                  <a:schemeClr val="accent1">
-                    <a:shade val="50000"/>
-                  </a:schemeClr>
-                </a:lnRef>
-                <a:fillRef idx="1">
-                  <a:schemeClr val="accent1"/>
-                </a:fillRef>
-                <a:effectRef idx="0">
-                  <a:schemeClr val="accent1"/>
-                </a:effectRef>
-                <a:fontRef idx="minor">
-                  <a:schemeClr val="lt1"/>
-                </a:fontRef>
-              </p:style>
-              <p:txBody>
-                <a:bodyPr rtlCol="0" anchor="ctr"/>
-                <a:lstStyle/>
-                <a:p>
-                  <a:pPr algn="ctr"/>
-                  <a:endParaRPr lang="zh-CN" altLang="en-US"/>
-                </a:p>
-              </p:txBody>
-            </p:sp>
-          </p:grpSp>
-          <p:sp>
-            <p:nvSpPr>
-              <p:cNvPr id="38" name="矩形 37"/>
-              <p:cNvSpPr/>
-              <p:nvPr/>
-            </p:nvSpPr>
-            <p:spPr>
-              <a:xfrm>
-                <a:off x="10619" y="2386"/>
-                <a:ext cx="3809" cy="1335"/>
-              </a:xfrm>
-              <a:prstGeom prst="rect">
-                <a:avLst/>
-              </a:prstGeom>
-              <a:solidFill>
-                <a:srgbClr val="FFFFFF"/>
-              </a:solidFill>
-              <a:ln>
-                <a:noFill/>
-              </a:ln>
-            </p:spPr>
-            <p:style>
-              <a:lnRef idx="2">
-                <a:schemeClr val="accent1">
-                  <a:shade val="50000"/>
-                </a:schemeClr>
-              </a:lnRef>
-              <a:fillRef idx="1">
-                <a:schemeClr val="accent1"/>
-              </a:fillRef>
-              <a:effectRef idx="0">
-                <a:schemeClr val="accent1"/>
-              </a:effectRef>
-              <a:fontRef idx="minor">
-                <a:schemeClr val="lt1"/>
-              </a:fontRef>
-            </p:style>
-            <p:txBody>
-              <a:bodyPr rtlCol="0" anchor="ctr"/>
-              <a:lstStyle/>
-              <a:p>
-                <a:pPr algn="ctr"/>
-                <a:endParaRPr lang="zh-CN" altLang="en-US"/>
-              </a:p>
-            </p:txBody>
-          </p:sp>
-        </p:grpSp>
-        <p:sp>
-          <p:nvSpPr>
-            <p:cNvPr id="39" name="文本框 38"/>
-            <p:cNvSpPr txBox="1"/>
-            <p:nvPr/>
-          </p:nvSpPr>
-          <p:spPr>
-            <a:xfrm>
-              <a:off x="868" y="594"/>
-              <a:ext cx="3904" cy="580"/>
-            </a:xfrm>
-            <a:prstGeom prst="rect">
-              <a:avLst/>
-            </a:prstGeom>
-            <a:solidFill>
-              <a:srgbClr val="FFFFFF"/>
-            </a:solidFill>
-            <a:ln>
-              <a:solidFill>
-                <a:srgbClr val="7B6F66"/>
-              </a:solidFill>
-            </a:ln>
-          </p:spPr>
-          <p:txBody>
-            <a:bodyPr wrap="square" rtlCol="0">
-              <a:spAutoFit/>
-            </a:bodyPr>
-            <a:lstStyle/>
-            <a:p>
-              <a:pPr algn="ctr"/>
-              <a:r>
-                <a:rPr lang="zh-CN" altLang="en-US" dirty="0">
-                  <a:solidFill>
-                    <a:schemeClr val="tx1">
-                      <a:lumMod val="65000"/>
-                      <a:lumOff val="35000"/>
-                    </a:schemeClr>
-                  </a:solidFill>
-                  <a:latin typeface="微软雅黑" panose="020B0503020204020204" charset="-122"/>
-                  <a:ea typeface="微软雅黑" panose="020B0503020204020204" charset="-122"/>
-                  <a:cs typeface="+mn-ea"/>
-                  <a:sym typeface="+mn-lt"/>
-                </a:rPr>
                 <a:t>优先级打分</a:t>
               </a:r>
             </a:p>
           </p:txBody>
         </p:sp>
       </p:grpSp>
+      <p:sp>
+        <p:nvSpPr>
+          <p:cNvPr id="2" name="文本框 1">
+            <a:extLst>
+              <a:ext uri="{FF2B5EF4-FFF2-40B4-BE49-F238E27FC236}">
+                <a16:creationId xmlns:a16="http://schemas.microsoft.com/office/drawing/2014/main" id="{8924DC26-5A5A-4BF1-B091-395F31EFF939}"/>
+              </a:ext>
+            </a:extLst>
+          </p:cNvPr>
+          <p:cNvSpPr txBox="1"/>
+          <p:nvPr/>
+        </p:nvSpPr>
+        <p:spPr>
+          <a:xfrm>
+            <a:off x="2515532" y="2844225"/>
+            <a:ext cx="7160935" cy="584775"/>
+          </a:xfrm>
+          <a:prstGeom prst="rect">
+            <a:avLst/>
+          </a:prstGeom>
+          <a:noFill/>
+        </p:spPr>
+        <p:txBody>
+          <a:bodyPr wrap="none" rtlCol="0">
+            <a:spAutoFit/>
+          </a:bodyPr>
+          <a:lstStyle/>
+          <a:p>
+            <a:r>
+              <a:rPr lang="zh-CN" altLang="en-US" sz="3200" dirty="0">
+                <a:solidFill>
+                  <a:schemeClr val="bg2">
+                    <a:lumMod val="25000"/>
+                  </a:schemeClr>
+                </a:solidFill>
+              </a:rPr>
+              <a:t>由于暂未进行优先级打分，该部分待定</a:t>
+            </a:r>
+          </a:p>
+        </p:txBody>
+      </p:sp>
     </p:spTree>
     <p:extLst>
       <p:ext uri="{BB962C8B-B14F-4D97-AF65-F5344CB8AC3E}">
@@ -21694,7 +21492,7 @@
 </p:sld>
 </file>
 
-<file path=ppt/slides/slide26.xml><?xml version="1.0" encoding="utf-8"?>
+<file path=ppt/slides/slide25.xml><?xml version="1.0" encoding="utf-8"?>
 <p:sld xmlns:a="http://schemas.openxmlformats.org/drawingml/2006/main" xmlns:r="http://schemas.openxmlformats.org/officeDocument/2006/relationships" xmlns:p="http://schemas.openxmlformats.org/presentationml/2006/main">
   <p:cSld>
     <p:spTree>
@@ -21936,6 +21734,67 @@
           </p:txBody>
         </p:sp>
       </p:grpSp>
+      <p:sp>
+        <p:nvSpPr>
+          <p:cNvPr id="9" name="文本框 8">
+            <a:extLst>
+              <a:ext uri="{FF2B5EF4-FFF2-40B4-BE49-F238E27FC236}">
+                <a16:creationId xmlns:a16="http://schemas.microsoft.com/office/drawing/2014/main" id="{A168A327-B804-4616-AAD3-C192AE734062}"/>
+              </a:ext>
+            </a:extLst>
+          </p:cNvPr>
+          <p:cNvSpPr txBox="1"/>
+          <p:nvPr/>
+        </p:nvSpPr>
+        <p:spPr>
+          <a:xfrm>
+            <a:off x="2784324" y="2844225"/>
+            <a:ext cx="6623352" cy="584775"/>
+          </a:xfrm>
+          <a:prstGeom prst="rect">
+            <a:avLst/>
+          </a:prstGeom>
+          <a:noFill/>
+        </p:spPr>
+        <p:txBody>
+          <a:bodyPr wrap="none" rtlCol="0">
+            <a:spAutoFit/>
+          </a:bodyPr>
+          <a:lstStyle/>
+          <a:p>
+            <a:r>
+              <a:rPr lang="zh-CN" altLang="en-US" sz="3200" dirty="0">
+                <a:solidFill>
+                  <a:schemeClr val="bg2">
+                    <a:lumMod val="25000"/>
+                  </a:schemeClr>
+                </a:solidFill>
+              </a:rPr>
+              <a:t>由于暂未开展</a:t>
+            </a:r>
+            <a:r>
+              <a:rPr lang="en-US" altLang="zh-CN" sz="3200" dirty="0">
+                <a:solidFill>
+                  <a:schemeClr val="bg2">
+                    <a:lumMod val="25000"/>
+                  </a:schemeClr>
+                </a:solidFill>
+              </a:rPr>
+              <a:t>JAD</a:t>
+            </a:r>
+            <a:r>
+              <a:rPr lang="zh-CN" altLang="en-US" sz="3200" dirty="0">
+                <a:solidFill>
+                  <a:schemeClr val="bg2">
+                    <a:lumMod val="25000"/>
+                  </a:schemeClr>
+                </a:solidFill>
+              </a:rPr>
+              <a:t>会议，该部分待定</a:t>
+            </a:r>
+          </a:p>
+        </p:txBody>
+      </p:sp>
     </p:spTree>
     <p:extLst>
       <p:ext uri="{BB962C8B-B14F-4D97-AF65-F5344CB8AC3E}">
@@ -21949,7 +21808,7 @@
 </p:sld>
 </file>
 
-<file path=ppt/slides/slide27.xml><?xml version="1.0" encoding="utf-8"?>
+<file path=ppt/slides/slide26.xml><?xml version="1.0" encoding="utf-8"?>
 <p:sld xmlns:a="http://schemas.openxmlformats.org/drawingml/2006/main" xmlns:r="http://schemas.openxmlformats.org/officeDocument/2006/relationships" xmlns:p="http://schemas.openxmlformats.org/presentationml/2006/main">
   <p:cSld>
     <p:spTree>
@@ -22212,7 +22071,7 @@
 </p:sld>
 </file>
 
-<file path=ppt/slides/slide28.xml><?xml version="1.0" encoding="utf-8"?>
+<file path=ppt/slides/slide27.xml><?xml version="1.0" encoding="utf-8"?>
 <p:sld xmlns:a="http://schemas.openxmlformats.org/drawingml/2006/main" xmlns:r="http://schemas.openxmlformats.org/officeDocument/2006/relationships" xmlns:p="http://schemas.openxmlformats.org/presentationml/2006/main">
   <p:cSld>
     <p:bg>
@@ -22572,7 +22431,7 @@
 </p:sld>
 </file>
 
-<file path=ppt/slides/slide29.xml><?xml version="1.0" encoding="utf-8"?>
+<file path=ppt/slides/slide28.xml><?xml version="1.0" encoding="utf-8"?>
 <p:sld xmlns:a="http://schemas.openxmlformats.org/drawingml/2006/main" xmlns:r="http://schemas.openxmlformats.org/officeDocument/2006/relationships" xmlns:p="http://schemas.openxmlformats.org/presentationml/2006/main">
   <p:cSld>
     <p:spTree>
@@ -22855,6 +22714,269 @@
 </p:sld>
 </file>
 
+<file path=ppt/slides/slide29.xml><?xml version="1.0" encoding="utf-8"?>
+<p:sld xmlns:a="http://schemas.openxmlformats.org/drawingml/2006/main" xmlns:r="http://schemas.openxmlformats.org/officeDocument/2006/relationships" xmlns:p="http://schemas.openxmlformats.org/presentationml/2006/main">
+  <p:cSld>
+    <p:spTree>
+      <p:nvGrpSpPr>
+        <p:cNvPr id="1" name=""/>
+        <p:cNvGrpSpPr/>
+        <p:nvPr/>
+      </p:nvGrpSpPr>
+      <p:grpSpPr>
+        <a:xfrm>
+          <a:off x="0" y="0"/>
+          <a:ext cx="0" cy="0"/>
+          <a:chOff x="0" y="0"/>
+          <a:chExt cx="0" cy="0"/>
+        </a:xfrm>
+      </p:grpSpPr>
+      <p:sp>
+        <p:nvSpPr>
+          <p:cNvPr id="8" name="矩形 7"/>
+          <p:cNvSpPr/>
+          <p:nvPr/>
+        </p:nvSpPr>
+        <p:spPr>
+          <a:xfrm>
+            <a:off x="287655" y="264160"/>
+            <a:ext cx="11587480" cy="6335395"/>
+          </a:xfrm>
+          <a:prstGeom prst="rect">
+            <a:avLst/>
+          </a:prstGeom>
+          <a:solidFill>
+            <a:schemeClr val="bg1"/>
+          </a:solidFill>
+          <a:ln w="9525">
+            <a:solidFill>
+              <a:schemeClr val="bg1">
+                <a:lumMod val="85000"/>
+              </a:schemeClr>
+            </a:solidFill>
+          </a:ln>
+        </p:spPr>
+        <p:style>
+          <a:lnRef idx="2">
+            <a:schemeClr val="accent1">
+              <a:shade val="50000"/>
+            </a:schemeClr>
+          </a:lnRef>
+          <a:fillRef idx="1">
+            <a:schemeClr val="accent1"/>
+          </a:fillRef>
+          <a:effectRef idx="0">
+            <a:schemeClr val="accent1"/>
+          </a:effectRef>
+          <a:fontRef idx="minor">
+            <a:schemeClr val="lt1"/>
+          </a:fontRef>
+        </p:style>
+        <p:txBody>
+          <a:bodyPr rtlCol="0" anchor="ctr"/>
+          <a:lstStyle/>
+          <a:p>
+            <a:pPr algn="ctr"/>
+            <a:endParaRPr lang="zh-CN" altLang="en-US" sz="2400"/>
+          </a:p>
+        </p:txBody>
+      </p:sp>
+      <p:grpSp>
+        <p:nvGrpSpPr>
+          <p:cNvPr id="20" name="组合 19"/>
+          <p:cNvGrpSpPr/>
+          <p:nvPr/>
+        </p:nvGrpSpPr>
+        <p:grpSpPr>
+          <a:xfrm>
+            <a:off x="338188" y="3481070"/>
+            <a:ext cx="11536947" cy="3014966"/>
+            <a:chOff x="-108" y="5946"/>
+            <a:chExt cx="19312" cy="4853"/>
+          </a:xfrm>
+        </p:grpSpPr>
+        <p:pic>
+          <p:nvPicPr>
+            <p:cNvPr id="21" name="图片 20" descr="400083054"/>
+            <p:cNvPicPr>
+              <a:picLocks noChangeAspect="1"/>
+            </p:cNvPicPr>
+            <p:nvPr/>
+          </p:nvPicPr>
+          <p:blipFill>
+            <a:blip r:embed="rId3"/>
+            <a:srcRect t="62118"/>
+            <a:stretch>
+              <a:fillRect/>
+            </a:stretch>
+          </p:blipFill>
+          <p:spPr>
+            <a:xfrm>
+              <a:off x="-108" y="5946"/>
+              <a:ext cx="19312" cy="4853"/>
+            </a:xfrm>
+            <a:prstGeom prst="rect">
+              <a:avLst/>
+            </a:prstGeom>
+          </p:spPr>
+        </p:pic>
+        <p:sp>
+          <p:nvSpPr>
+            <p:cNvPr id="22" name="矩形 21"/>
+            <p:cNvSpPr/>
+            <p:nvPr/>
+          </p:nvSpPr>
+          <p:spPr>
+            <a:xfrm>
+              <a:off x="4038" y="6139"/>
+              <a:ext cx="11616" cy="1335"/>
+            </a:xfrm>
+            <a:prstGeom prst="rect">
+              <a:avLst/>
+            </a:prstGeom>
+            <a:solidFill>
+              <a:srgbClr val="FFFFFF"/>
+            </a:solidFill>
+            <a:ln>
+              <a:noFill/>
+            </a:ln>
+          </p:spPr>
+          <p:style>
+            <a:lnRef idx="2">
+              <a:schemeClr val="accent1">
+                <a:shade val="50000"/>
+              </a:schemeClr>
+            </a:lnRef>
+            <a:fillRef idx="1">
+              <a:schemeClr val="accent1"/>
+            </a:fillRef>
+            <a:effectRef idx="0">
+              <a:schemeClr val="accent1"/>
+            </a:effectRef>
+            <a:fontRef idx="minor">
+              <a:schemeClr val="lt1"/>
+            </a:fontRef>
+          </p:style>
+          <p:txBody>
+            <a:bodyPr rtlCol="0" anchor="ctr"/>
+            <a:lstStyle/>
+            <a:p>
+              <a:pPr algn="ctr"/>
+              <a:endParaRPr lang="zh-CN" altLang="en-US"/>
+            </a:p>
+          </p:txBody>
+        </p:sp>
+      </p:grpSp>
+      <p:sp>
+        <p:nvSpPr>
+          <p:cNvPr id="3" name="文本框 2"/>
+          <p:cNvSpPr txBox="1"/>
+          <p:nvPr/>
+        </p:nvSpPr>
+        <p:spPr>
+          <a:xfrm>
+            <a:off x="4975211" y="532320"/>
+            <a:ext cx="2241578" cy="523220"/>
+          </a:xfrm>
+          <a:prstGeom prst="rect">
+            <a:avLst/>
+          </a:prstGeom>
+          <a:noFill/>
+        </p:spPr>
+        <p:txBody>
+          <a:bodyPr wrap="square" rtlCol="0">
+            <a:spAutoFit/>
+          </a:bodyPr>
+          <a:lstStyle/>
+          <a:p>
+            <a:pPr algn="dist"/>
+            <a:r>
+              <a:rPr lang="en-US" altLang="zh-CN" sz="2800" b="1" dirty="0">
+                <a:solidFill>
+                  <a:schemeClr val="bg2">
+                    <a:lumMod val="50000"/>
+                  </a:schemeClr>
+                </a:solidFill>
+                <a:latin typeface="方正姚体" panose="02010601030101010101" charset="-122"/>
+                <a:ea typeface="方正姚体" panose="02010601030101010101" charset="-122"/>
+              </a:rPr>
+              <a:t>PART  SEVEN</a:t>
+            </a:r>
+          </a:p>
+        </p:txBody>
+      </p:sp>
+      <p:sp>
+        <p:nvSpPr>
+          <p:cNvPr id="4" name="文本框 3"/>
+          <p:cNvSpPr txBox="1"/>
+          <p:nvPr/>
+        </p:nvSpPr>
+        <p:spPr>
+          <a:xfrm>
+            <a:off x="3935453" y="2598003"/>
+            <a:ext cx="4321093" cy="830997"/>
+          </a:xfrm>
+          <a:prstGeom prst="rect">
+            <a:avLst/>
+          </a:prstGeom>
+          <a:noFill/>
+        </p:spPr>
+        <p:txBody>
+          <a:bodyPr wrap="square" rtlCol="0">
+            <a:spAutoFit/>
+          </a:bodyPr>
+          <a:lstStyle/>
+          <a:p>
+            <a:pPr algn="dist"/>
+            <a:r>
+              <a:rPr lang="en-US" altLang="zh-CN" sz="4800" dirty="0">
+                <a:solidFill>
+                  <a:schemeClr val="bg2">
+                    <a:lumMod val="50000"/>
+                  </a:schemeClr>
+                </a:solidFill>
+                <a:latin typeface="方正姚体" panose="02010601030101010101" charset="-122"/>
+                <a:ea typeface="方正姚体" panose="02010601030101010101" charset="-122"/>
+              </a:rPr>
+              <a:t>7.</a:t>
+            </a:r>
+            <a:r>
+              <a:rPr lang="zh-CN" altLang="en-US" sz="4800" dirty="0">
+                <a:solidFill>
+                  <a:schemeClr val="bg2">
+                    <a:lumMod val="50000"/>
+                  </a:schemeClr>
+                </a:solidFill>
+                <a:latin typeface="方正姚体" panose="02010601030101010101" charset="-122"/>
+                <a:ea typeface="方正姚体" panose="02010601030101010101" charset="-122"/>
+              </a:rPr>
+              <a:t>需求冲突处理</a:t>
+            </a:r>
+            <a:endParaRPr lang="zh-CN" altLang="zh-CN" sz="4800" dirty="0">
+              <a:solidFill>
+                <a:schemeClr val="bg2">
+                  <a:lumMod val="50000"/>
+                </a:schemeClr>
+              </a:solidFill>
+              <a:latin typeface="方正姚体" panose="02010601030101010101" charset="-122"/>
+              <a:ea typeface="方正姚体" panose="02010601030101010101" charset="-122"/>
+            </a:endParaRPr>
+          </a:p>
+        </p:txBody>
+      </p:sp>
+    </p:spTree>
+    <p:extLst>
+      <p:ext uri="{BB962C8B-B14F-4D97-AF65-F5344CB8AC3E}">
+        <p14:creationId xmlns:p14="http://schemas.microsoft.com/office/powerpoint/2010/main" val="679583143"/>
+      </p:ext>
+    </p:extLst>
+  </p:cSld>
+  <p:clrMapOvr>
+    <a:masterClrMapping/>
+  </p:clrMapOvr>
+</p:sld>
+</file>
+
 <file path=ppt/slides/slide3.xml><?xml version="1.0" encoding="utf-8"?>
 <p:sld xmlns:a="http://schemas.openxmlformats.org/drawingml/2006/main" xmlns:r="http://schemas.openxmlformats.org/officeDocument/2006/relationships" xmlns:p="http://schemas.openxmlformats.org/presentationml/2006/main">
   <p:cSld>
@@ -23124,269 +23246,6 @@
           <a:chExt cx="0" cy="0"/>
         </a:xfrm>
       </p:grpSpPr>
-      <p:sp>
-        <p:nvSpPr>
-          <p:cNvPr id="8" name="矩形 7"/>
-          <p:cNvSpPr/>
-          <p:nvPr/>
-        </p:nvSpPr>
-        <p:spPr>
-          <a:xfrm>
-            <a:off x="287655" y="264160"/>
-            <a:ext cx="11587480" cy="6335395"/>
-          </a:xfrm>
-          <a:prstGeom prst="rect">
-            <a:avLst/>
-          </a:prstGeom>
-          <a:solidFill>
-            <a:schemeClr val="bg1"/>
-          </a:solidFill>
-          <a:ln w="9525">
-            <a:solidFill>
-              <a:schemeClr val="bg1">
-                <a:lumMod val="85000"/>
-              </a:schemeClr>
-            </a:solidFill>
-          </a:ln>
-        </p:spPr>
-        <p:style>
-          <a:lnRef idx="2">
-            <a:schemeClr val="accent1">
-              <a:shade val="50000"/>
-            </a:schemeClr>
-          </a:lnRef>
-          <a:fillRef idx="1">
-            <a:schemeClr val="accent1"/>
-          </a:fillRef>
-          <a:effectRef idx="0">
-            <a:schemeClr val="accent1"/>
-          </a:effectRef>
-          <a:fontRef idx="minor">
-            <a:schemeClr val="lt1"/>
-          </a:fontRef>
-        </p:style>
-        <p:txBody>
-          <a:bodyPr rtlCol="0" anchor="ctr"/>
-          <a:lstStyle/>
-          <a:p>
-            <a:pPr algn="ctr"/>
-            <a:endParaRPr lang="zh-CN" altLang="en-US" sz="2400"/>
-          </a:p>
-        </p:txBody>
-      </p:sp>
-      <p:grpSp>
-        <p:nvGrpSpPr>
-          <p:cNvPr id="20" name="组合 19"/>
-          <p:cNvGrpSpPr/>
-          <p:nvPr/>
-        </p:nvGrpSpPr>
-        <p:grpSpPr>
-          <a:xfrm>
-            <a:off x="338188" y="3481070"/>
-            <a:ext cx="11536947" cy="3014966"/>
-            <a:chOff x="-108" y="5946"/>
-            <a:chExt cx="19312" cy="4853"/>
-          </a:xfrm>
-        </p:grpSpPr>
-        <p:pic>
-          <p:nvPicPr>
-            <p:cNvPr id="21" name="图片 20" descr="400083054"/>
-            <p:cNvPicPr>
-              <a:picLocks noChangeAspect="1"/>
-            </p:cNvPicPr>
-            <p:nvPr/>
-          </p:nvPicPr>
-          <p:blipFill>
-            <a:blip r:embed="rId3"/>
-            <a:srcRect t="62118"/>
-            <a:stretch>
-              <a:fillRect/>
-            </a:stretch>
-          </p:blipFill>
-          <p:spPr>
-            <a:xfrm>
-              <a:off x="-108" y="5946"/>
-              <a:ext cx="19312" cy="4853"/>
-            </a:xfrm>
-            <a:prstGeom prst="rect">
-              <a:avLst/>
-            </a:prstGeom>
-          </p:spPr>
-        </p:pic>
-        <p:sp>
-          <p:nvSpPr>
-            <p:cNvPr id="22" name="矩形 21"/>
-            <p:cNvSpPr/>
-            <p:nvPr/>
-          </p:nvSpPr>
-          <p:spPr>
-            <a:xfrm>
-              <a:off x="4038" y="6139"/>
-              <a:ext cx="11616" cy="1335"/>
-            </a:xfrm>
-            <a:prstGeom prst="rect">
-              <a:avLst/>
-            </a:prstGeom>
-            <a:solidFill>
-              <a:srgbClr val="FFFFFF"/>
-            </a:solidFill>
-            <a:ln>
-              <a:noFill/>
-            </a:ln>
-          </p:spPr>
-          <p:style>
-            <a:lnRef idx="2">
-              <a:schemeClr val="accent1">
-                <a:shade val="50000"/>
-              </a:schemeClr>
-            </a:lnRef>
-            <a:fillRef idx="1">
-              <a:schemeClr val="accent1"/>
-            </a:fillRef>
-            <a:effectRef idx="0">
-              <a:schemeClr val="accent1"/>
-            </a:effectRef>
-            <a:fontRef idx="minor">
-              <a:schemeClr val="lt1"/>
-            </a:fontRef>
-          </p:style>
-          <p:txBody>
-            <a:bodyPr rtlCol="0" anchor="ctr"/>
-            <a:lstStyle/>
-            <a:p>
-              <a:pPr algn="ctr"/>
-              <a:endParaRPr lang="zh-CN" altLang="en-US"/>
-            </a:p>
-          </p:txBody>
-        </p:sp>
-      </p:grpSp>
-      <p:sp>
-        <p:nvSpPr>
-          <p:cNvPr id="3" name="文本框 2"/>
-          <p:cNvSpPr txBox="1"/>
-          <p:nvPr/>
-        </p:nvSpPr>
-        <p:spPr>
-          <a:xfrm>
-            <a:off x="4975211" y="532320"/>
-            <a:ext cx="2241578" cy="523220"/>
-          </a:xfrm>
-          <a:prstGeom prst="rect">
-            <a:avLst/>
-          </a:prstGeom>
-          <a:noFill/>
-        </p:spPr>
-        <p:txBody>
-          <a:bodyPr wrap="square" rtlCol="0">
-            <a:spAutoFit/>
-          </a:bodyPr>
-          <a:lstStyle/>
-          <a:p>
-            <a:pPr algn="dist"/>
-            <a:r>
-              <a:rPr lang="en-US" altLang="zh-CN" sz="2800" b="1" dirty="0">
-                <a:solidFill>
-                  <a:schemeClr val="bg2">
-                    <a:lumMod val="50000"/>
-                  </a:schemeClr>
-                </a:solidFill>
-                <a:latin typeface="方正姚体" panose="02010601030101010101" charset="-122"/>
-                <a:ea typeface="方正姚体" panose="02010601030101010101" charset="-122"/>
-              </a:rPr>
-              <a:t>PART  SEVEN</a:t>
-            </a:r>
-          </a:p>
-        </p:txBody>
-      </p:sp>
-      <p:sp>
-        <p:nvSpPr>
-          <p:cNvPr id="4" name="文本框 3"/>
-          <p:cNvSpPr txBox="1"/>
-          <p:nvPr/>
-        </p:nvSpPr>
-        <p:spPr>
-          <a:xfrm>
-            <a:off x="3935453" y="2598003"/>
-            <a:ext cx="4321093" cy="830997"/>
-          </a:xfrm>
-          <a:prstGeom prst="rect">
-            <a:avLst/>
-          </a:prstGeom>
-          <a:noFill/>
-        </p:spPr>
-        <p:txBody>
-          <a:bodyPr wrap="square" rtlCol="0">
-            <a:spAutoFit/>
-          </a:bodyPr>
-          <a:lstStyle/>
-          <a:p>
-            <a:pPr algn="dist"/>
-            <a:r>
-              <a:rPr lang="en-US" altLang="zh-CN" sz="4800" dirty="0">
-                <a:solidFill>
-                  <a:schemeClr val="bg2">
-                    <a:lumMod val="50000"/>
-                  </a:schemeClr>
-                </a:solidFill>
-                <a:latin typeface="方正姚体" panose="02010601030101010101" charset="-122"/>
-                <a:ea typeface="方正姚体" panose="02010601030101010101" charset="-122"/>
-              </a:rPr>
-              <a:t>7.</a:t>
-            </a:r>
-            <a:r>
-              <a:rPr lang="zh-CN" altLang="en-US" sz="4800" dirty="0">
-                <a:solidFill>
-                  <a:schemeClr val="bg2">
-                    <a:lumMod val="50000"/>
-                  </a:schemeClr>
-                </a:solidFill>
-                <a:latin typeface="方正姚体" panose="02010601030101010101" charset="-122"/>
-                <a:ea typeface="方正姚体" panose="02010601030101010101" charset="-122"/>
-              </a:rPr>
-              <a:t>需求冲突处理</a:t>
-            </a:r>
-            <a:endParaRPr lang="zh-CN" altLang="zh-CN" sz="4800" dirty="0">
-              <a:solidFill>
-                <a:schemeClr val="bg2">
-                  <a:lumMod val="50000"/>
-                </a:schemeClr>
-              </a:solidFill>
-              <a:latin typeface="方正姚体" panose="02010601030101010101" charset="-122"/>
-              <a:ea typeface="方正姚体" panose="02010601030101010101" charset="-122"/>
-            </a:endParaRPr>
-          </a:p>
-        </p:txBody>
-      </p:sp>
-    </p:spTree>
-    <p:extLst>
-      <p:ext uri="{BB962C8B-B14F-4D97-AF65-F5344CB8AC3E}">
-        <p14:creationId xmlns:p14="http://schemas.microsoft.com/office/powerpoint/2010/main" val="679583143"/>
-      </p:ext>
-    </p:extLst>
-  </p:cSld>
-  <p:clrMapOvr>
-    <a:masterClrMapping/>
-  </p:clrMapOvr>
-</p:sld>
-</file>
-
-<file path=ppt/slides/slide31.xml><?xml version="1.0" encoding="utf-8"?>
-<p:sld xmlns:a="http://schemas.openxmlformats.org/drawingml/2006/main" xmlns:r="http://schemas.openxmlformats.org/officeDocument/2006/relationships" xmlns:p="http://schemas.openxmlformats.org/presentationml/2006/main">
-  <p:cSld>
-    <p:spTree>
-      <p:nvGrpSpPr>
-        <p:cNvPr id="1" name=""/>
-        <p:cNvGrpSpPr/>
-        <p:nvPr/>
-      </p:nvGrpSpPr>
-      <p:grpSpPr>
-        <a:xfrm>
-          <a:off x="0" y="0"/>
-          <a:ext cx="0" cy="0"/>
-          <a:chOff x="0" y="0"/>
-          <a:chExt cx="0" cy="0"/>
-        </a:xfrm>
-      </p:grpSpPr>
       <p:grpSp>
         <p:nvGrpSpPr>
           <p:cNvPr id="34" name="组合 33"/>
@@ -23578,22 +23437,86 @@
             <a:lstStyle/>
             <a:p>
               <a:pPr algn="ctr"/>
-              <a:endParaRPr lang="zh-CN" altLang="en-US" dirty="0">
-                <a:solidFill>
-                  <a:schemeClr val="tx1">
-                    <a:lumMod val="65000"/>
-                    <a:lumOff val="35000"/>
-                  </a:schemeClr>
-                </a:solidFill>
-                <a:latin typeface="微软雅黑" panose="020B0503020204020204" charset="-122"/>
-                <a:ea typeface="微软雅黑" panose="020B0503020204020204" charset="-122"/>
-                <a:cs typeface="+mn-ea"/>
-                <a:sym typeface="+mn-lt"/>
-              </a:endParaRPr>
+              <a:r>
+                <a:rPr lang="zh-CN" altLang="en-US" dirty="0">
+                  <a:solidFill>
+                    <a:schemeClr val="tx1">
+                      <a:lumMod val="65000"/>
+                      <a:lumOff val="35000"/>
+                    </a:schemeClr>
+                  </a:solidFill>
+                  <a:latin typeface="微软雅黑" panose="020B0503020204020204" charset="-122"/>
+                  <a:ea typeface="微软雅黑" panose="020B0503020204020204" charset="-122"/>
+                  <a:cs typeface="+mn-ea"/>
+                  <a:sym typeface="+mn-lt"/>
+                </a:rPr>
+                <a:t>需求冲突处理</a:t>
+              </a:r>
             </a:p>
           </p:txBody>
         </p:sp>
       </p:grpSp>
+      <p:sp>
+        <p:nvSpPr>
+          <p:cNvPr id="9" name="文本框 8">
+            <a:extLst>
+              <a:ext uri="{FF2B5EF4-FFF2-40B4-BE49-F238E27FC236}">
+                <a16:creationId xmlns:a16="http://schemas.microsoft.com/office/drawing/2014/main" id="{EEE173D5-8022-425C-AD70-0E9835E00313}"/>
+              </a:ext>
+            </a:extLst>
+          </p:cNvPr>
+          <p:cNvSpPr txBox="1"/>
+          <p:nvPr/>
+        </p:nvSpPr>
+        <p:spPr>
+          <a:xfrm>
+            <a:off x="2784324" y="2844225"/>
+            <a:ext cx="6623352" cy="584775"/>
+          </a:xfrm>
+          <a:prstGeom prst="rect">
+            <a:avLst/>
+          </a:prstGeom>
+          <a:noFill/>
+        </p:spPr>
+        <p:txBody>
+          <a:bodyPr wrap="none" rtlCol="0">
+            <a:spAutoFit/>
+          </a:bodyPr>
+          <a:lstStyle/>
+          <a:p>
+            <a:r>
+              <a:rPr lang="zh-CN" altLang="en-US" sz="3200" dirty="0">
+                <a:solidFill>
+                  <a:schemeClr val="bg2">
+                    <a:lumMod val="25000"/>
+                  </a:schemeClr>
+                </a:solidFill>
+              </a:rPr>
+              <a:t>由于暂未开展</a:t>
+            </a:r>
+            <a:r>
+              <a:rPr lang="en-US" altLang="zh-CN" sz="3200" dirty="0">
+                <a:solidFill>
+                  <a:schemeClr val="bg2">
+                    <a:lumMod val="25000"/>
+                  </a:schemeClr>
+                </a:solidFill>
+              </a:rPr>
+              <a:t>JAD</a:t>
+            </a:r>
+            <a:r>
+              <a:rPr lang="zh-CN" altLang="en-US" sz="3200" dirty="0">
+                <a:solidFill>
+                  <a:schemeClr val="bg2">
+                    <a:lumMod val="25000"/>
+                  </a:schemeClr>
+                </a:solidFill>
+              </a:rPr>
+              <a:t>会议，该部分待定</a:t>
+            </a:r>
+          </a:p>
+        </p:txBody>
+      </p:sp>
     </p:spTree>
     <p:extLst>
       <p:ext uri="{BB962C8B-B14F-4D97-AF65-F5344CB8AC3E}">
@@ -23607,244 +23530,7 @@
 </p:sld>
 </file>
 
-<file path=ppt/slides/slide32.xml><?xml version="1.0" encoding="utf-8"?>
-<p:sld xmlns:a="http://schemas.openxmlformats.org/drawingml/2006/main" xmlns:r="http://schemas.openxmlformats.org/officeDocument/2006/relationships" xmlns:p="http://schemas.openxmlformats.org/presentationml/2006/main">
-  <p:cSld>
-    <p:spTree>
-      <p:nvGrpSpPr>
-        <p:cNvPr id="1" name=""/>
-        <p:cNvGrpSpPr/>
-        <p:nvPr/>
-      </p:nvGrpSpPr>
-      <p:grpSpPr>
-        <a:xfrm>
-          <a:off x="0" y="0"/>
-          <a:ext cx="0" cy="0"/>
-          <a:chOff x="0" y="0"/>
-          <a:chExt cx="0" cy="0"/>
-        </a:xfrm>
-      </p:grpSpPr>
-      <p:grpSp>
-        <p:nvGrpSpPr>
-          <p:cNvPr id="34" name="组合 33"/>
-          <p:cNvGrpSpPr/>
-          <p:nvPr/>
-        </p:nvGrpSpPr>
-        <p:grpSpPr>
-          <a:xfrm>
-            <a:off x="-53340" y="-2659380"/>
-            <a:ext cx="3083560" cy="6671310"/>
-            <a:chOff x="-84" y="-4188"/>
-            <a:chExt cx="4856" cy="10506"/>
-          </a:xfrm>
-        </p:grpSpPr>
-        <p:grpSp>
-          <p:nvGrpSpPr>
-            <p:cNvPr id="33" name="组合 32"/>
-            <p:cNvGrpSpPr/>
-            <p:nvPr/>
-          </p:nvGrpSpPr>
-          <p:grpSpPr>
-            <a:xfrm rot="17700000" flipH="1">
-              <a:off x="-3129" y="-1143"/>
-              <a:ext cx="10506" cy="4416"/>
-              <a:chOff x="4235" y="0"/>
-              <a:chExt cx="10192" cy="3964"/>
-            </a:xfrm>
-          </p:grpSpPr>
-          <p:grpSp>
-            <p:nvGrpSpPr>
-              <p:cNvPr id="35" name="组合 34"/>
-              <p:cNvGrpSpPr/>
-              <p:nvPr/>
-            </p:nvGrpSpPr>
-            <p:grpSpPr>
-              <a:xfrm>
-                <a:off x="4235" y="0"/>
-                <a:ext cx="9919" cy="3964"/>
-                <a:chOff x="4235" y="0"/>
-                <a:chExt cx="9919" cy="3964"/>
-              </a:xfrm>
-            </p:grpSpPr>
-            <p:pic>
-              <p:nvPicPr>
-                <p:cNvPr id="36" name="图片 35" descr="400083054"/>
-                <p:cNvPicPr>
-                  <a:picLocks noChangeAspect="1"/>
-                </p:cNvPicPr>
-                <p:nvPr/>
-              </p:nvPicPr>
-              <p:blipFill>
-                <a:blip r:embed="rId2"/>
-                <a:srcRect l="20170" r="22753" b="67620"/>
-                <a:stretch>
-                  <a:fillRect/>
-                </a:stretch>
-              </p:blipFill>
-              <p:spPr>
-                <a:xfrm>
-                  <a:off x="5114" y="0"/>
-                  <a:ext cx="9041" cy="3419"/>
-                </a:xfrm>
-                <a:prstGeom prst="rect">
-                  <a:avLst/>
-                </a:prstGeom>
-              </p:spPr>
-            </p:pic>
-            <p:sp>
-              <p:nvSpPr>
-                <p:cNvPr id="37" name="矩形 36"/>
-                <p:cNvSpPr/>
-                <p:nvPr/>
-              </p:nvSpPr>
-              <p:spPr>
-                <a:xfrm>
-                  <a:off x="4235" y="2664"/>
-                  <a:ext cx="5124" cy="1301"/>
-                </a:xfrm>
-                <a:prstGeom prst="rect">
-                  <a:avLst/>
-                </a:prstGeom>
-                <a:solidFill>
-                  <a:srgbClr val="FFFFFF"/>
-                </a:solidFill>
-                <a:ln>
-                  <a:noFill/>
-                </a:ln>
-              </p:spPr>
-              <p:style>
-                <a:lnRef idx="2">
-                  <a:schemeClr val="accent1">
-                    <a:shade val="50000"/>
-                  </a:schemeClr>
-                </a:lnRef>
-                <a:fillRef idx="1">
-                  <a:schemeClr val="accent1"/>
-                </a:fillRef>
-                <a:effectRef idx="0">
-                  <a:schemeClr val="accent1"/>
-                </a:effectRef>
-                <a:fontRef idx="minor">
-                  <a:schemeClr val="lt1"/>
-                </a:fontRef>
-              </p:style>
-              <p:txBody>
-                <a:bodyPr rtlCol="0" anchor="ctr"/>
-                <a:lstStyle/>
-                <a:p>
-                  <a:pPr algn="ctr"/>
-                  <a:endParaRPr lang="zh-CN" altLang="en-US"/>
-                </a:p>
-              </p:txBody>
-            </p:sp>
-          </p:grpSp>
-          <p:sp>
-            <p:nvSpPr>
-              <p:cNvPr id="38" name="矩形 37"/>
-              <p:cNvSpPr/>
-              <p:nvPr/>
-            </p:nvSpPr>
-            <p:spPr>
-              <a:xfrm>
-                <a:off x="10619" y="2386"/>
-                <a:ext cx="3809" cy="1335"/>
-              </a:xfrm>
-              <a:prstGeom prst="rect">
-                <a:avLst/>
-              </a:prstGeom>
-              <a:solidFill>
-                <a:srgbClr val="FFFFFF"/>
-              </a:solidFill>
-              <a:ln>
-                <a:noFill/>
-              </a:ln>
-            </p:spPr>
-            <p:style>
-              <a:lnRef idx="2">
-                <a:schemeClr val="accent1">
-                  <a:shade val="50000"/>
-                </a:schemeClr>
-              </a:lnRef>
-              <a:fillRef idx="1">
-                <a:schemeClr val="accent1"/>
-              </a:fillRef>
-              <a:effectRef idx="0">
-                <a:schemeClr val="accent1"/>
-              </a:effectRef>
-              <a:fontRef idx="minor">
-                <a:schemeClr val="lt1"/>
-              </a:fontRef>
-            </p:style>
-            <p:txBody>
-              <a:bodyPr rtlCol="0" anchor="ctr"/>
-              <a:lstStyle/>
-              <a:p>
-                <a:pPr algn="ctr"/>
-                <a:endParaRPr lang="zh-CN" altLang="en-US"/>
-              </a:p>
-            </p:txBody>
-          </p:sp>
-        </p:grpSp>
-        <p:sp>
-          <p:nvSpPr>
-            <p:cNvPr id="39" name="文本框 38"/>
-            <p:cNvSpPr txBox="1"/>
-            <p:nvPr/>
-          </p:nvSpPr>
-          <p:spPr>
-            <a:xfrm>
-              <a:off x="868" y="594"/>
-              <a:ext cx="3904" cy="580"/>
-            </a:xfrm>
-            <a:prstGeom prst="rect">
-              <a:avLst/>
-            </a:prstGeom>
-            <a:solidFill>
-              <a:srgbClr val="FFFFFF"/>
-            </a:solidFill>
-            <a:ln>
-              <a:solidFill>
-                <a:srgbClr val="7B6F66"/>
-              </a:solidFill>
-            </a:ln>
-          </p:spPr>
-          <p:txBody>
-            <a:bodyPr wrap="square" rtlCol="0">
-              <a:spAutoFit/>
-            </a:bodyPr>
-            <a:lstStyle/>
-            <a:p>
-              <a:pPr algn="ctr"/>
-              <a:endParaRPr lang="zh-CN" altLang="en-US" dirty="0">
-                <a:solidFill>
-                  <a:schemeClr val="tx1">
-                    <a:lumMod val="65000"/>
-                    <a:lumOff val="35000"/>
-                  </a:schemeClr>
-                </a:solidFill>
-                <a:latin typeface="微软雅黑" panose="020B0503020204020204" charset="-122"/>
-                <a:ea typeface="微软雅黑" panose="020B0503020204020204" charset="-122"/>
-                <a:cs typeface="+mn-ea"/>
-                <a:sym typeface="+mn-lt"/>
-              </a:endParaRPr>
-            </a:p>
-          </p:txBody>
-        </p:sp>
-      </p:grpSp>
-    </p:spTree>
-    <p:extLst>
-      <p:ext uri="{BB962C8B-B14F-4D97-AF65-F5344CB8AC3E}">
-        <p14:creationId xmlns:p14="http://schemas.microsoft.com/office/powerpoint/2010/main" val="1173520409"/>
-      </p:ext>
-    </p:extLst>
-  </p:cSld>
-  <p:clrMapOvr>
-    <a:masterClrMapping/>
-  </p:clrMapOvr>
-</p:sld>
-</file>
-
-<file path=ppt/slides/slide33.xml><?xml version="1.0" encoding="utf-8"?>
+<file path=ppt/slides/slide31.xml><?xml version="1.0" encoding="utf-8"?>
 <p:sld xmlns:a="http://schemas.openxmlformats.org/drawingml/2006/main" xmlns:r="http://schemas.openxmlformats.org/officeDocument/2006/relationships" xmlns:p="http://schemas.openxmlformats.org/presentationml/2006/main">
   <p:cSld>
     <p:spTree>
@@ -24107,7 +23793,7 @@
 </p:sld>
 </file>
 
-<file path=ppt/slides/slide34.xml><?xml version="1.0" encoding="utf-8"?>
+<file path=ppt/slides/slide32.xml><?xml version="1.0" encoding="utf-8"?>
 <p:sld xmlns:a="http://schemas.openxmlformats.org/drawingml/2006/main" xmlns:r="http://schemas.openxmlformats.org/officeDocument/2006/relationships" xmlns:p="http://schemas.openxmlformats.org/presentationml/2006/main">
   <p:cSld>
     <p:spTree>
@@ -24315,22 +24001,66 @@
             <a:lstStyle/>
             <a:p>
               <a:pPr algn="ctr"/>
-              <a:endParaRPr lang="zh-CN" altLang="en-US" dirty="0">
-                <a:solidFill>
-                  <a:schemeClr val="tx1">
-                    <a:lumMod val="65000"/>
-                    <a:lumOff val="35000"/>
-                  </a:schemeClr>
-                </a:solidFill>
-                <a:latin typeface="微软雅黑" panose="020B0503020204020204" charset="-122"/>
-                <a:ea typeface="微软雅黑" panose="020B0503020204020204" charset="-122"/>
-                <a:cs typeface="+mn-ea"/>
-                <a:sym typeface="+mn-lt"/>
-              </a:endParaRPr>
+              <a:r>
+                <a:rPr lang="zh-CN" altLang="en-US" dirty="0">
+                  <a:solidFill>
+                    <a:schemeClr val="tx1">
+                      <a:lumMod val="65000"/>
+                      <a:lumOff val="35000"/>
+                    </a:schemeClr>
+                  </a:solidFill>
+                  <a:latin typeface="微软雅黑" panose="020B0503020204020204" charset="-122"/>
+                  <a:ea typeface="微软雅黑" panose="020B0503020204020204" charset="-122"/>
+                  <a:cs typeface="+mn-ea"/>
+                  <a:sym typeface="+mn-lt"/>
+                </a:rPr>
+                <a:t>需求优先级</a:t>
+              </a:r>
             </a:p>
           </p:txBody>
         </p:sp>
       </p:grpSp>
+      <p:sp>
+        <p:nvSpPr>
+          <p:cNvPr id="9" name="文本框 8">
+            <a:extLst>
+              <a:ext uri="{FF2B5EF4-FFF2-40B4-BE49-F238E27FC236}">
+                <a16:creationId xmlns:a16="http://schemas.microsoft.com/office/drawing/2014/main" id="{C2A23A28-695A-4406-95FF-4FE4966775D6}"/>
+              </a:ext>
+            </a:extLst>
+          </p:cNvPr>
+          <p:cNvSpPr txBox="1"/>
+          <p:nvPr/>
+        </p:nvSpPr>
+        <p:spPr>
+          <a:xfrm>
+            <a:off x="2515532" y="2844225"/>
+            <a:ext cx="7160935" cy="584775"/>
+          </a:xfrm>
+          <a:prstGeom prst="rect">
+            <a:avLst/>
+          </a:prstGeom>
+          <a:noFill/>
+        </p:spPr>
+        <p:txBody>
+          <a:bodyPr wrap="none" rtlCol="0">
+            <a:spAutoFit/>
+          </a:bodyPr>
+          <a:lstStyle/>
+          <a:p>
+            <a:r>
+              <a:rPr lang="zh-CN" altLang="en-US" sz="3200" dirty="0">
+                <a:solidFill>
+                  <a:schemeClr val="bg2">
+                    <a:lumMod val="25000"/>
+                  </a:schemeClr>
+                </a:solidFill>
+              </a:rPr>
+              <a:t>由于暂未确认需求优先级，该部分待定</a:t>
+            </a:r>
+          </a:p>
+        </p:txBody>
+      </p:sp>
     </p:spTree>
     <p:extLst>
       <p:ext uri="{BB962C8B-B14F-4D97-AF65-F5344CB8AC3E}">
@@ -24344,244 +24074,7 @@
 </p:sld>
 </file>
 
-<file path=ppt/slides/slide35.xml><?xml version="1.0" encoding="utf-8"?>
-<p:sld xmlns:a="http://schemas.openxmlformats.org/drawingml/2006/main" xmlns:r="http://schemas.openxmlformats.org/officeDocument/2006/relationships" xmlns:p="http://schemas.openxmlformats.org/presentationml/2006/main">
-  <p:cSld>
-    <p:spTree>
-      <p:nvGrpSpPr>
-        <p:cNvPr id="1" name=""/>
-        <p:cNvGrpSpPr/>
-        <p:nvPr/>
-      </p:nvGrpSpPr>
-      <p:grpSpPr>
-        <a:xfrm>
-          <a:off x="0" y="0"/>
-          <a:ext cx="0" cy="0"/>
-          <a:chOff x="0" y="0"/>
-          <a:chExt cx="0" cy="0"/>
-        </a:xfrm>
-      </p:grpSpPr>
-      <p:grpSp>
-        <p:nvGrpSpPr>
-          <p:cNvPr id="34" name="组合 33"/>
-          <p:cNvGrpSpPr/>
-          <p:nvPr/>
-        </p:nvGrpSpPr>
-        <p:grpSpPr>
-          <a:xfrm>
-            <a:off x="-53340" y="-2659380"/>
-            <a:ext cx="3083560" cy="6671310"/>
-            <a:chOff x="-84" y="-4188"/>
-            <a:chExt cx="4856" cy="10506"/>
-          </a:xfrm>
-        </p:grpSpPr>
-        <p:grpSp>
-          <p:nvGrpSpPr>
-            <p:cNvPr id="33" name="组合 32"/>
-            <p:cNvGrpSpPr/>
-            <p:nvPr/>
-          </p:nvGrpSpPr>
-          <p:grpSpPr>
-            <a:xfrm rot="17700000" flipH="1">
-              <a:off x="-3129" y="-1143"/>
-              <a:ext cx="10506" cy="4416"/>
-              <a:chOff x="4235" y="0"/>
-              <a:chExt cx="10192" cy="3964"/>
-            </a:xfrm>
-          </p:grpSpPr>
-          <p:grpSp>
-            <p:nvGrpSpPr>
-              <p:cNvPr id="35" name="组合 34"/>
-              <p:cNvGrpSpPr/>
-              <p:nvPr/>
-            </p:nvGrpSpPr>
-            <p:grpSpPr>
-              <a:xfrm>
-                <a:off x="4235" y="0"/>
-                <a:ext cx="9919" cy="3964"/>
-                <a:chOff x="4235" y="0"/>
-                <a:chExt cx="9919" cy="3964"/>
-              </a:xfrm>
-            </p:grpSpPr>
-            <p:pic>
-              <p:nvPicPr>
-                <p:cNvPr id="36" name="图片 35" descr="400083054"/>
-                <p:cNvPicPr>
-                  <a:picLocks noChangeAspect="1"/>
-                </p:cNvPicPr>
-                <p:nvPr/>
-              </p:nvPicPr>
-              <p:blipFill>
-                <a:blip r:embed="rId2"/>
-                <a:srcRect l="20170" r="22753" b="67620"/>
-                <a:stretch>
-                  <a:fillRect/>
-                </a:stretch>
-              </p:blipFill>
-              <p:spPr>
-                <a:xfrm>
-                  <a:off x="5114" y="0"/>
-                  <a:ext cx="9041" cy="3419"/>
-                </a:xfrm>
-                <a:prstGeom prst="rect">
-                  <a:avLst/>
-                </a:prstGeom>
-              </p:spPr>
-            </p:pic>
-            <p:sp>
-              <p:nvSpPr>
-                <p:cNvPr id="37" name="矩形 36"/>
-                <p:cNvSpPr/>
-                <p:nvPr/>
-              </p:nvSpPr>
-              <p:spPr>
-                <a:xfrm>
-                  <a:off x="4235" y="2664"/>
-                  <a:ext cx="5124" cy="1301"/>
-                </a:xfrm>
-                <a:prstGeom prst="rect">
-                  <a:avLst/>
-                </a:prstGeom>
-                <a:solidFill>
-                  <a:srgbClr val="FFFFFF"/>
-                </a:solidFill>
-                <a:ln>
-                  <a:noFill/>
-                </a:ln>
-              </p:spPr>
-              <p:style>
-                <a:lnRef idx="2">
-                  <a:schemeClr val="accent1">
-                    <a:shade val="50000"/>
-                  </a:schemeClr>
-                </a:lnRef>
-                <a:fillRef idx="1">
-                  <a:schemeClr val="accent1"/>
-                </a:fillRef>
-                <a:effectRef idx="0">
-                  <a:schemeClr val="accent1"/>
-                </a:effectRef>
-                <a:fontRef idx="minor">
-                  <a:schemeClr val="lt1"/>
-                </a:fontRef>
-              </p:style>
-              <p:txBody>
-                <a:bodyPr rtlCol="0" anchor="ctr"/>
-                <a:lstStyle/>
-                <a:p>
-                  <a:pPr algn="ctr"/>
-                  <a:endParaRPr lang="zh-CN" altLang="en-US"/>
-                </a:p>
-              </p:txBody>
-            </p:sp>
-          </p:grpSp>
-          <p:sp>
-            <p:nvSpPr>
-              <p:cNvPr id="38" name="矩形 37"/>
-              <p:cNvSpPr/>
-              <p:nvPr/>
-            </p:nvSpPr>
-            <p:spPr>
-              <a:xfrm>
-                <a:off x="10619" y="2386"/>
-                <a:ext cx="3809" cy="1335"/>
-              </a:xfrm>
-              <a:prstGeom prst="rect">
-                <a:avLst/>
-              </a:prstGeom>
-              <a:solidFill>
-                <a:srgbClr val="FFFFFF"/>
-              </a:solidFill>
-              <a:ln>
-                <a:noFill/>
-              </a:ln>
-            </p:spPr>
-            <p:style>
-              <a:lnRef idx="2">
-                <a:schemeClr val="accent1">
-                  <a:shade val="50000"/>
-                </a:schemeClr>
-              </a:lnRef>
-              <a:fillRef idx="1">
-                <a:schemeClr val="accent1"/>
-              </a:fillRef>
-              <a:effectRef idx="0">
-                <a:schemeClr val="accent1"/>
-              </a:effectRef>
-              <a:fontRef idx="minor">
-                <a:schemeClr val="lt1"/>
-              </a:fontRef>
-            </p:style>
-            <p:txBody>
-              <a:bodyPr rtlCol="0" anchor="ctr"/>
-              <a:lstStyle/>
-              <a:p>
-                <a:pPr algn="ctr"/>
-                <a:endParaRPr lang="zh-CN" altLang="en-US"/>
-              </a:p>
-            </p:txBody>
-          </p:sp>
-        </p:grpSp>
-        <p:sp>
-          <p:nvSpPr>
-            <p:cNvPr id="39" name="文本框 38"/>
-            <p:cNvSpPr txBox="1"/>
-            <p:nvPr/>
-          </p:nvSpPr>
-          <p:spPr>
-            <a:xfrm>
-              <a:off x="868" y="594"/>
-              <a:ext cx="3904" cy="580"/>
-            </a:xfrm>
-            <a:prstGeom prst="rect">
-              <a:avLst/>
-            </a:prstGeom>
-            <a:solidFill>
-              <a:srgbClr val="FFFFFF"/>
-            </a:solidFill>
-            <a:ln>
-              <a:solidFill>
-                <a:srgbClr val="7B6F66"/>
-              </a:solidFill>
-            </a:ln>
-          </p:spPr>
-          <p:txBody>
-            <a:bodyPr wrap="square" rtlCol="0">
-              <a:spAutoFit/>
-            </a:bodyPr>
-            <a:lstStyle/>
-            <a:p>
-              <a:pPr algn="ctr"/>
-              <a:endParaRPr lang="zh-CN" altLang="en-US" dirty="0">
-                <a:solidFill>
-                  <a:schemeClr val="tx1">
-                    <a:lumMod val="65000"/>
-                    <a:lumOff val="35000"/>
-                  </a:schemeClr>
-                </a:solidFill>
-                <a:latin typeface="微软雅黑" panose="020B0503020204020204" charset="-122"/>
-                <a:ea typeface="微软雅黑" panose="020B0503020204020204" charset="-122"/>
-                <a:cs typeface="+mn-ea"/>
-                <a:sym typeface="+mn-lt"/>
-              </a:endParaRPr>
-            </a:p>
-          </p:txBody>
-        </p:sp>
-      </p:grpSp>
-    </p:spTree>
-    <p:extLst>
-      <p:ext uri="{BB962C8B-B14F-4D97-AF65-F5344CB8AC3E}">
-        <p14:creationId xmlns:p14="http://schemas.microsoft.com/office/powerpoint/2010/main" val="3300814558"/>
-      </p:ext>
-    </p:extLst>
-  </p:cSld>
-  <p:clrMapOvr>
-    <a:masterClrMapping/>
-  </p:clrMapOvr>
-</p:sld>
-</file>
-
-<file path=ppt/slides/slide36.xml><?xml version="1.0" encoding="utf-8"?>
+<file path=ppt/slides/slide33.xml><?xml version="1.0" encoding="utf-8"?>
 <p:sld xmlns:a="http://schemas.openxmlformats.org/drawingml/2006/main" xmlns:r="http://schemas.openxmlformats.org/officeDocument/2006/relationships" xmlns:p="http://schemas.openxmlformats.org/presentationml/2006/main">
   <p:cSld>
     <p:spTree>
@@ -24844,7 +24337,7 @@
 </p:sld>
 </file>
 
-<file path=ppt/slides/slide37.xml><?xml version="1.0" encoding="utf-8"?>
+<file path=ppt/slides/slide34.xml><?xml version="1.0" encoding="utf-8"?>
 <p:sld xmlns:a="http://schemas.openxmlformats.org/drawingml/2006/main" xmlns:r="http://schemas.openxmlformats.org/officeDocument/2006/relationships" xmlns:p="http://schemas.openxmlformats.org/presentationml/2006/main">
   <p:cSld>
     <p:spTree>
@@ -25163,7 +24656,7 @@
 </p:sld>
 </file>
 
-<file path=ppt/slides/slide38.xml><?xml version="1.0" encoding="utf-8"?>
+<file path=ppt/slides/slide35.xml><?xml version="1.0" encoding="utf-8"?>
 <p:sld xmlns:a="http://schemas.openxmlformats.org/drawingml/2006/main" xmlns:r="http://schemas.openxmlformats.org/officeDocument/2006/relationships" xmlns:p="http://schemas.openxmlformats.org/presentationml/2006/main">
   <p:cSld>
     <p:spTree>
@@ -25472,7 +24965,7 @@
 </p:sld>
 </file>
 
-<file path=ppt/slides/slide39.xml><?xml version="1.0" encoding="utf-8"?>
+<file path=ppt/slides/slide36.xml><?xml version="1.0" encoding="utf-8"?>
 <p:sld xmlns:a="http://schemas.openxmlformats.org/drawingml/2006/main" xmlns:r="http://schemas.openxmlformats.org/officeDocument/2006/relationships" xmlns:p="http://schemas.openxmlformats.org/presentationml/2006/main">
   <p:cSld>
     <p:spTree>
@@ -25832,362 +25325,7 @@
 </p:sld>
 </file>
 
-<file path=ppt/slides/slide4.xml><?xml version="1.0" encoding="utf-8"?>
-<p:sld xmlns:a="http://schemas.openxmlformats.org/drawingml/2006/main" xmlns:r="http://schemas.openxmlformats.org/officeDocument/2006/relationships" xmlns:p="http://schemas.openxmlformats.org/presentationml/2006/main">
-  <p:cSld>
-    <p:bg>
-      <p:bgPr>
-        <a:solidFill>
-          <a:srgbClr val="FFFFFF"/>
-        </a:solidFill>
-        <a:effectLst/>
-      </p:bgPr>
-    </p:bg>
-    <p:spTree>
-      <p:nvGrpSpPr>
-        <p:cNvPr id="1" name=""/>
-        <p:cNvGrpSpPr/>
-        <p:nvPr/>
-      </p:nvGrpSpPr>
-      <p:grpSpPr>
-        <a:xfrm>
-          <a:off x="0" y="0"/>
-          <a:ext cx="0" cy="0"/>
-          <a:chOff x="0" y="0"/>
-          <a:chExt cx="0" cy="0"/>
-        </a:xfrm>
-      </p:grpSpPr>
-      <p:grpSp>
-        <p:nvGrpSpPr>
-          <p:cNvPr id="39" name="组合 38"/>
-          <p:cNvGrpSpPr/>
-          <p:nvPr/>
-        </p:nvGrpSpPr>
-        <p:grpSpPr>
-          <a:xfrm>
-            <a:off x="-53340" y="-2659380"/>
-            <a:ext cx="3083560" cy="6671310"/>
-            <a:chOff x="-84" y="-4188"/>
-            <a:chExt cx="4856" cy="10506"/>
-          </a:xfrm>
-        </p:grpSpPr>
-        <p:grpSp>
-          <p:nvGrpSpPr>
-            <p:cNvPr id="40" name="组合 39"/>
-            <p:cNvGrpSpPr/>
-            <p:nvPr/>
-          </p:nvGrpSpPr>
-          <p:grpSpPr>
-            <a:xfrm rot="17700000" flipH="1">
-              <a:off x="-3129" y="-1143"/>
-              <a:ext cx="10506" cy="4416"/>
-              <a:chOff x="4235" y="0"/>
-              <a:chExt cx="10192" cy="3964"/>
-            </a:xfrm>
-          </p:grpSpPr>
-          <p:grpSp>
-            <p:nvGrpSpPr>
-              <p:cNvPr id="41" name="组合 40"/>
-              <p:cNvGrpSpPr/>
-              <p:nvPr/>
-            </p:nvGrpSpPr>
-            <p:grpSpPr>
-              <a:xfrm>
-                <a:off x="4235" y="0"/>
-                <a:ext cx="9919" cy="3964"/>
-                <a:chOff x="4235" y="0"/>
-                <a:chExt cx="9919" cy="3964"/>
-              </a:xfrm>
-            </p:grpSpPr>
-            <p:pic>
-              <p:nvPicPr>
-                <p:cNvPr id="42" name="图片 41" descr="400083054"/>
-                <p:cNvPicPr>
-                  <a:picLocks noChangeAspect="1"/>
-                </p:cNvPicPr>
-                <p:nvPr/>
-              </p:nvPicPr>
-              <p:blipFill>
-                <a:blip r:embed="rId2"/>
-                <a:srcRect l="20170" r="22753" b="67620"/>
-                <a:stretch>
-                  <a:fillRect/>
-                </a:stretch>
-              </p:blipFill>
-              <p:spPr>
-                <a:xfrm>
-                  <a:off x="5114" y="0"/>
-                  <a:ext cx="9041" cy="3419"/>
-                </a:xfrm>
-                <a:prstGeom prst="rect">
-                  <a:avLst/>
-                </a:prstGeom>
-              </p:spPr>
-            </p:pic>
-            <p:sp>
-              <p:nvSpPr>
-                <p:cNvPr id="43" name="矩形 42"/>
-                <p:cNvSpPr/>
-                <p:nvPr/>
-              </p:nvSpPr>
-              <p:spPr>
-                <a:xfrm>
-                  <a:off x="4235" y="2664"/>
-                  <a:ext cx="5124" cy="1301"/>
-                </a:xfrm>
-                <a:prstGeom prst="rect">
-                  <a:avLst/>
-                </a:prstGeom>
-                <a:solidFill>
-                  <a:srgbClr val="FFFFFF"/>
-                </a:solidFill>
-                <a:ln>
-                  <a:noFill/>
-                </a:ln>
-              </p:spPr>
-              <p:style>
-                <a:lnRef idx="2">
-                  <a:schemeClr val="accent1">
-                    <a:shade val="50000"/>
-                  </a:schemeClr>
-                </a:lnRef>
-                <a:fillRef idx="1">
-                  <a:schemeClr val="accent1"/>
-                </a:fillRef>
-                <a:effectRef idx="0">
-                  <a:schemeClr val="accent1"/>
-                </a:effectRef>
-                <a:fontRef idx="minor">
-                  <a:schemeClr val="lt1"/>
-                </a:fontRef>
-              </p:style>
-              <p:txBody>
-                <a:bodyPr rtlCol="0" anchor="ctr"/>
-                <a:lstStyle/>
-                <a:p>
-                  <a:pPr algn="ctr"/>
-                  <a:endParaRPr lang="zh-CN" altLang="en-US"/>
-                </a:p>
-              </p:txBody>
-            </p:sp>
-          </p:grpSp>
-          <p:sp>
-            <p:nvSpPr>
-              <p:cNvPr id="44" name="矩形 43"/>
-              <p:cNvSpPr/>
-              <p:nvPr/>
-            </p:nvSpPr>
-            <p:spPr>
-              <a:xfrm>
-                <a:off x="10619" y="2386"/>
-                <a:ext cx="3809" cy="1335"/>
-              </a:xfrm>
-              <a:prstGeom prst="rect">
-                <a:avLst/>
-              </a:prstGeom>
-              <a:solidFill>
-                <a:srgbClr val="FFFFFF"/>
-              </a:solidFill>
-              <a:ln>
-                <a:noFill/>
-              </a:ln>
-            </p:spPr>
-            <p:style>
-              <a:lnRef idx="2">
-                <a:schemeClr val="accent1">
-                  <a:shade val="50000"/>
-                </a:schemeClr>
-              </a:lnRef>
-              <a:fillRef idx="1">
-                <a:schemeClr val="accent1"/>
-              </a:fillRef>
-              <a:effectRef idx="0">
-                <a:schemeClr val="accent1"/>
-              </a:effectRef>
-              <a:fontRef idx="minor">
-                <a:schemeClr val="lt1"/>
-              </a:fontRef>
-            </p:style>
-            <p:txBody>
-              <a:bodyPr rtlCol="0" anchor="ctr"/>
-              <a:lstStyle/>
-              <a:p>
-                <a:pPr algn="ctr"/>
-                <a:endParaRPr lang="zh-CN" altLang="en-US"/>
-              </a:p>
-            </p:txBody>
-          </p:sp>
-        </p:grpSp>
-        <p:sp>
-          <p:nvSpPr>
-            <p:cNvPr id="45" name="文本框 44"/>
-            <p:cNvSpPr txBox="1"/>
-            <p:nvPr/>
-          </p:nvSpPr>
-          <p:spPr>
-            <a:xfrm>
-              <a:off x="868" y="594"/>
-              <a:ext cx="3904" cy="630"/>
-            </a:xfrm>
-            <a:prstGeom prst="rect">
-              <a:avLst/>
-            </a:prstGeom>
-            <a:solidFill>
-              <a:srgbClr val="FFFFFF"/>
-            </a:solidFill>
-            <a:ln>
-              <a:solidFill>
-                <a:srgbClr val="7B6F66"/>
-              </a:solidFill>
-            </a:ln>
-          </p:spPr>
-          <p:txBody>
-            <a:bodyPr wrap="square" rtlCol="0">
-              <a:spAutoFit/>
-            </a:bodyPr>
-            <a:lstStyle/>
-            <a:p>
-              <a:pPr algn="ctr"/>
-              <a:r>
-                <a:rPr lang="en-US" altLang="zh-CN" sz="2000" dirty="0" err="1">
-                  <a:solidFill>
-                    <a:schemeClr val="tx1">
-                      <a:lumMod val="65000"/>
-                      <a:lumOff val="35000"/>
-                    </a:schemeClr>
-                  </a:solidFill>
-                  <a:latin typeface="微软雅黑" panose="020B0503020204020204" charset="-122"/>
-                  <a:ea typeface="微软雅黑" panose="020B0503020204020204" charset="-122"/>
-                  <a:cs typeface="+mn-ea"/>
-                  <a:sym typeface="+mn-lt"/>
-                </a:rPr>
-                <a:t>Vision&amp;Scope</a:t>
-              </a:r>
-              <a:endParaRPr lang="zh-CN" altLang="en-US" sz="2000" dirty="0">
-                <a:solidFill>
-                  <a:schemeClr val="tx1">
-                    <a:lumMod val="65000"/>
-                    <a:lumOff val="35000"/>
-                  </a:schemeClr>
-                </a:solidFill>
-                <a:latin typeface="微软雅黑" panose="020B0503020204020204" charset="-122"/>
-                <a:ea typeface="微软雅黑" panose="020B0503020204020204" charset="-122"/>
-                <a:cs typeface="+mn-ea"/>
-                <a:sym typeface="+mn-lt"/>
-              </a:endParaRPr>
-            </a:p>
-          </p:txBody>
-        </p:sp>
-      </p:grpSp>
-      <p:sp>
-        <p:nvSpPr>
-          <p:cNvPr id="2" name="文本框 1">
-            <a:extLst>
-              <a:ext uri="{FF2B5EF4-FFF2-40B4-BE49-F238E27FC236}">
-                <a16:creationId xmlns:a16="http://schemas.microsoft.com/office/drawing/2014/main" id="{18E82BDA-AF2C-496E-B3B6-20281F11541B}"/>
-              </a:ext>
-            </a:extLst>
-          </p:cNvPr>
-          <p:cNvSpPr txBox="1"/>
-          <p:nvPr/>
-        </p:nvSpPr>
-        <p:spPr>
-          <a:xfrm>
-            <a:off x="1828508" y="1511205"/>
-            <a:ext cx="8534983" cy="4524315"/>
-          </a:xfrm>
-          <a:prstGeom prst="rect">
-            <a:avLst/>
-          </a:prstGeom>
-          <a:noFill/>
-        </p:spPr>
-        <p:txBody>
-          <a:bodyPr wrap="square" rtlCol="0">
-            <a:spAutoFit/>
-          </a:bodyPr>
-          <a:lstStyle/>
-          <a:p>
-            <a:r>
-              <a:rPr lang="zh-CN" altLang="en-US" sz="2400" dirty="0">
-                <a:solidFill>
-                  <a:schemeClr val="bg2">
-                    <a:lumMod val="25000"/>
-                  </a:schemeClr>
-                </a:solidFill>
-              </a:rPr>
-              <a:t>业务需求：</a:t>
-            </a:r>
-            <a:endParaRPr lang="en-US" altLang="zh-CN" sz="2400" dirty="0">
-              <a:solidFill>
-                <a:schemeClr val="bg2">
-                  <a:lumMod val="25000"/>
-                </a:schemeClr>
-              </a:solidFill>
-            </a:endParaRPr>
-          </a:p>
-          <a:p>
-            <a:r>
-              <a:rPr lang="en-US" altLang="zh-CN" sz="2400" dirty="0">
-                <a:solidFill>
-                  <a:schemeClr val="bg2">
-                    <a:lumMod val="25000"/>
-                  </a:schemeClr>
-                </a:solidFill>
-              </a:rPr>
-              <a:t>	</a:t>
-            </a:r>
-            <a:r>
-              <a:rPr lang="zh-CN" altLang="zh-CN" sz="2400" dirty="0">
-                <a:solidFill>
-                  <a:schemeClr val="bg2">
-                    <a:lumMod val="25000"/>
-                  </a:schemeClr>
-                </a:solidFill>
-              </a:rPr>
-              <a:t>软件项目管理与软件需求，作为软件工程当中最为重要的组成几个部分，已经引起业内人士的高度重视，项目管理和需求工程概念的提出，就是为了把软件工程化，以更有效地开发需求，开发软件并实现有效的管理。为了使教师能够把最新，最前沿的关于项目管理和需求工程的信息传播给学生；为了学生能够利用网络得到老师帮助；为了师生之间，同学之间能够充分交流，沟通心得。这个软件工程系列课程教学辅助网站系统将提供这么一个垂直的交流平台。为教师和同学服务，也为项目管理，需求工程，统一建模等软件工程化课程的教学方法提供试验基地。</a:t>
-            </a:r>
-            <a:endParaRPr lang="en-US" altLang="zh-CN" sz="2400" dirty="0">
-              <a:solidFill>
-                <a:schemeClr val="bg2">
-                  <a:lumMod val="25000"/>
-                </a:schemeClr>
-              </a:solidFill>
-            </a:endParaRPr>
-          </a:p>
-          <a:p>
-            <a:pPr algn="r"/>
-            <a:r>
-              <a:rPr lang="en-US" altLang="zh-CN" sz="2400" dirty="0">
-                <a:solidFill>
-                  <a:schemeClr val="bg2">
-                    <a:lumMod val="25000"/>
-                  </a:schemeClr>
-                </a:solidFill>
-              </a:rPr>
-              <a:t>——</a:t>
-            </a:r>
-            <a:r>
-              <a:rPr lang="zh-CN" altLang="en-US" sz="2400" dirty="0">
-                <a:solidFill>
-                  <a:schemeClr val="bg2">
-                    <a:lumMod val="25000"/>
-                  </a:schemeClr>
-                </a:solidFill>
-              </a:rPr>
-              <a:t>见愿景与范围文档</a:t>
-            </a:r>
-          </a:p>
-        </p:txBody>
-      </p:sp>
-    </p:spTree>
-  </p:cSld>
-  <p:clrMapOvr>
-    <a:masterClrMapping/>
-  </p:clrMapOvr>
-</p:sld>
-</file>
-
-<file path=ppt/slides/slide40.xml><?xml version="1.0" encoding="utf-8"?>
+<file path=ppt/slides/slide37.xml><?xml version="1.0" encoding="utf-8"?>
 <p:sld xmlns:a="http://schemas.openxmlformats.org/drawingml/2006/main" xmlns:r="http://schemas.openxmlformats.org/officeDocument/2006/relationships" xmlns:p="http://schemas.openxmlformats.org/presentationml/2006/main">
   <p:cSld>
     <p:spTree>
@@ -26463,7 +25601,7 @@
 </p:sld>
 </file>
 
-<file path=ppt/slides/slide41.xml><?xml version="1.0" encoding="utf-8"?>
+<file path=ppt/slides/slide38.xml><?xml version="1.0" encoding="utf-8"?>
 <p:sld xmlns:a="http://schemas.openxmlformats.org/drawingml/2006/main" xmlns:r="http://schemas.openxmlformats.org/officeDocument/2006/relationships" xmlns:p="http://schemas.openxmlformats.org/presentationml/2006/main">
   <p:cSld>
     <p:spTree>
@@ -26726,7 +25864,7 @@
 </p:sld>
 </file>
 
-<file path=ppt/slides/slide42.xml><?xml version="1.0" encoding="utf-8"?>
+<file path=ppt/slides/slide39.xml><?xml version="1.0" encoding="utf-8"?>
 <p:sld xmlns:a="http://schemas.openxmlformats.org/drawingml/2006/main" xmlns:r="http://schemas.openxmlformats.org/officeDocument/2006/relationships" xmlns:p="http://schemas.openxmlformats.org/presentationml/2006/main">
   <p:cSld>
     <p:spTree>
@@ -27661,7 +26799,362 @@
 </p:sld>
 </file>
 
-<file path=ppt/slides/slide43.xml><?xml version="1.0" encoding="utf-8"?>
+<file path=ppt/slides/slide4.xml><?xml version="1.0" encoding="utf-8"?>
+<p:sld xmlns:a="http://schemas.openxmlformats.org/drawingml/2006/main" xmlns:r="http://schemas.openxmlformats.org/officeDocument/2006/relationships" xmlns:p="http://schemas.openxmlformats.org/presentationml/2006/main">
+  <p:cSld>
+    <p:bg>
+      <p:bgPr>
+        <a:solidFill>
+          <a:srgbClr val="FFFFFF"/>
+        </a:solidFill>
+        <a:effectLst/>
+      </p:bgPr>
+    </p:bg>
+    <p:spTree>
+      <p:nvGrpSpPr>
+        <p:cNvPr id="1" name=""/>
+        <p:cNvGrpSpPr/>
+        <p:nvPr/>
+      </p:nvGrpSpPr>
+      <p:grpSpPr>
+        <a:xfrm>
+          <a:off x="0" y="0"/>
+          <a:ext cx="0" cy="0"/>
+          <a:chOff x="0" y="0"/>
+          <a:chExt cx="0" cy="0"/>
+        </a:xfrm>
+      </p:grpSpPr>
+      <p:grpSp>
+        <p:nvGrpSpPr>
+          <p:cNvPr id="39" name="组合 38"/>
+          <p:cNvGrpSpPr/>
+          <p:nvPr/>
+        </p:nvGrpSpPr>
+        <p:grpSpPr>
+          <a:xfrm>
+            <a:off x="-53340" y="-2659380"/>
+            <a:ext cx="3083560" cy="6671310"/>
+            <a:chOff x="-84" y="-4188"/>
+            <a:chExt cx="4856" cy="10506"/>
+          </a:xfrm>
+        </p:grpSpPr>
+        <p:grpSp>
+          <p:nvGrpSpPr>
+            <p:cNvPr id="40" name="组合 39"/>
+            <p:cNvGrpSpPr/>
+            <p:nvPr/>
+          </p:nvGrpSpPr>
+          <p:grpSpPr>
+            <a:xfrm rot="17700000" flipH="1">
+              <a:off x="-3129" y="-1143"/>
+              <a:ext cx="10506" cy="4416"/>
+              <a:chOff x="4235" y="0"/>
+              <a:chExt cx="10192" cy="3964"/>
+            </a:xfrm>
+          </p:grpSpPr>
+          <p:grpSp>
+            <p:nvGrpSpPr>
+              <p:cNvPr id="41" name="组合 40"/>
+              <p:cNvGrpSpPr/>
+              <p:nvPr/>
+            </p:nvGrpSpPr>
+            <p:grpSpPr>
+              <a:xfrm>
+                <a:off x="4235" y="0"/>
+                <a:ext cx="9919" cy="3964"/>
+                <a:chOff x="4235" y="0"/>
+                <a:chExt cx="9919" cy="3964"/>
+              </a:xfrm>
+            </p:grpSpPr>
+            <p:pic>
+              <p:nvPicPr>
+                <p:cNvPr id="42" name="图片 41" descr="400083054"/>
+                <p:cNvPicPr>
+                  <a:picLocks noChangeAspect="1"/>
+                </p:cNvPicPr>
+                <p:nvPr/>
+              </p:nvPicPr>
+              <p:blipFill>
+                <a:blip r:embed="rId2"/>
+                <a:srcRect l="20170" r="22753" b="67620"/>
+                <a:stretch>
+                  <a:fillRect/>
+                </a:stretch>
+              </p:blipFill>
+              <p:spPr>
+                <a:xfrm>
+                  <a:off x="5114" y="0"/>
+                  <a:ext cx="9041" cy="3419"/>
+                </a:xfrm>
+                <a:prstGeom prst="rect">
+                  <a:avLst/>
+                </a:prstGeom>
+              </p:spPr>
+            </p:pic>
+            <p:sp>
+              <p:nvSpPr>
+                <p:cNvPr id="43" name="矩形 42"/>
+                <p:cNvSpPr/>
+                <p:nvPr/>
+              </p:nvSpPr>
+              <p:spPr>
+                <a:xfrm>
+                  <a:off x="4235" y="2664"/>
+                  <a:ext cx="5124" cy="1301"/>
+                </a:xfrm>
+                <a:prstGeom prst="rect">
+                  <a:avLst/>
+                </a:prstGeom>
+                <a:solidFill>
+                  <a:srgbClr val="FFFFFF"/>
+                </a:solidFill>
+                <a:ln>
+                  <a:noFill/>
+                </a:ln>
+              </p:spPr>
+              <p:style>
+                <a:lnRef idx="2">
+                  <a:schemeClr val="accent1">
+                    <a:shade val="50000"/>
+                  </a:schemeClr>
+                </a:lnRef>
+                <a:fillRef idx="1">
+                  <a:schemeClr val="accent1"/>
+                </a:fillRef>
+                <a:effectRef idx="0">
+                  <a:schemeClr val="accent1"/>
+                </a:effectRef>
+                <a:fontRef idx="minor">
+                  <a:schemeClr val="lt1"/>
+                </a:fontRef>
+              </p:style>
+              <p:txBody>
+                <a:bodyPr rtlCol="0" anchor="ctr"/>
+                <a:lstStyle/>
+                <a:p>
+                  <a:pPr algn="ctr"/>
+                  <a:endParaRPr lang="zh-CN" altLang="en-US"/>
+                </a:p>
+              </p:txBody>
+            </p:sp>
+          </p:grpSp>
+          <p:sp>
+            <p:nvSpPr>
+              <p:cNvPr id="44" name="矩形 43"/>
+              <p:cNvSpPr/>
+              <p:nvPr/>
+            </p:nvSpPr>
+            <p:spPr>
+              <a:xfrm>
+                <a:off x="10619" y="2386"/>
+                <a:ext cx="3809" cy="1335"/>
+              </a:xfrm>
+              <a:prstGeom prst="rect">
+                <a:avLst/>
+              </a:prstGeom>
+              <a:solidFill>
+                <a:srgbClr val="FFFFFF"/>
+              </a:solidFill>
+              <a:ln>
+                <a:noFill/>
+              </a:ln>
+            </p:spPr>
+            <p:style>
+              <a:lnRef idx="2">
+                <a:schemeClr val="accent1">
+                  <a:shade val="50000"/>
+                </a:schemeClr>
+              </a:lnRef>
+              <a:fillRef idx="1">
+                <a:schemeClr val="accent1"/>
+              </a:fillRef>
+              <a:effectRef idx="0">
+                <a:schemeClr val="accent1"/>
+              </a:effectRef>
+              <a:fontRef idx="minor">
+                <a:schemeClr val="lt1"/>
+              </a:fontRef>
+            </p:style>
+            <p:txBody>
+              <a:bodyPr rtlCol="0" anchor="ctr"/>
+              <a:lstStyle/>
+              <a:p>
+                <a:pPr algn="ctr"/>
+                <a:endParaRPr lang="zh-CN" altLang="en-US"/>
+              </a:p>
+            </p:txBody>
+          </p:sp>
+        </p:grpSp>
+        <p:sp>
+          <p:nvSpPr>
+            <p:cNvPr id="45" name="文本框 44"/>
+            <p:cNvSpPr txBox="1"/>
+            <p:nvPr/>
+          </p:nvSpPr>
+          <p:spPr>
+            <a:xfrm>
+              <a:off x="868" y="594"/>
+              <a:ext cx="3904" cy="630"/>
+            </a:xfrm>
+            <a:prstGeom prst="rect">
+              <a:avLst/>
+            </a:prstGeom>
+            <a:solidFill>
+              <a:srgbClr val="FFFFFF"/>
+            </a:solidFill>
+            <a:ln>
+              <a:solidFill>
+                <a:srgbClr val="7B6F66"/>
+              </a:solidFill>
+            </a:ln>
+          </p:spPr>
+          <p:txBody>
+            <a:bodyPr wrap="square" rtlCol="0">
+              <a:spAutoFit/>
+            </a:bodyPr>
+            <a:lstStyle/>
+            <a:p>
+              <a:pPr algn="ctr"/>
+              <a:r>
+                <a:rPr lang="en-US" altLang="zh-CN" sz="2000" dirty="0" err="1">
+                  <a:solidFill>
+                    <a:schemeClr val="tx1">
+                      <a:lumMod val="65000"/>
+                      <a:lumOff val="35000"/>
+                    </a:schemeClr>
+                  </a:solidFill>
+                  <a:latin typeface="微软雅黑" panose="020B0503020204020204" charset="-122"/>
+                  <a:ea typeface="微软雅黑" panose="020B0503020204020204" charset="-122"/>
+                  <a:cs typeface="+mn-ea"/>
+                  <a:sym typeface="+mn-lt"/>
+                </a:rPr>
+                <a:t>Vision&amp;Scope</a:t>
+              </a:r>
+              <a:endParaRPr lang="zh-CN" altLang="en-US" sz="2000" dirty="0">
+                <a:solidFill>
+                  <a:schemeClr val="tx1">
+                    <a:lumMod val="65000"/>
+                    <a:lumOff val="35000"/>
+                  </a:schemeClr>
+                </a:solidFill>
+                <a:latin typeface="微软雅黑" panose="020B0503020204020204" charset="-122"/>
+                <a:ea typeface="微软雅黑" panose="020B0503020204020204" charset="-122"/>
+                <a:cs typeface="+mn-ea"/>
+                <a:sym typeface="+mn-lt"/>
+              </a:endParaRPr>
+            </a:p>
+          </p:txBody>
+        </p:sp>
+      </p:grpSp>
+      <p:sp>
+        <p:nvSpPr>
+          <p:cNvPr id="2" name="文本框 1">
+            <a:extLst>
+              <a:ext uri="{FF2B5EF4-FFF2-40B4-BE49-F238E27FC236}">
+                <a16:creationId xmlns:a16="http://schemas.microsoft.com/office/drawing/2014/main" id="{18E82BDA-AF2C-496E-B3B6-20281F11541B}"/>
+              </a:ext>
+            </a:extLst>
+          </p:cNvPr>
+          <p:cNvSpPr txBox="1"/>
+          <p:nvPr/>
+        </p:nvSpPr>
+        <p:spPr>
+          <a:xfrm>
+            <a:off x="1828508" y="1511205"/>
+            <a:ext cx="8534983" cy="4524315"/>
+          </a:xfrm>
+          <a:prstGeom prst="rect">
+            <a:avLst/>
+          </a:prstGeom>
+          <a:noFill/>
+        </p:spPr>
+        <p:txBody>
+          <a:bodyPr wrap="square" rtlCol="0">
+            <a:spAutoFit/>
+          </a:bodyPr>
+          <a:lstStyle/>
+          <a:p>
+            <a:r>
+              <a:rPr lang="zh-CN" altLang="en-US" sz="2400" dirty="0">
+                <a:solidFill>
+                  <a:schemeClr val="bg2">
+                    <a:lumMod val="25000"/>
+                  </a:schemeClr>
+                </a:solidFill>
+              </a:rPr>
+              <a:t>业务需求：</a:t>
+            </a:r>
+            <a:endParaRPr lang="en-US" altLang="zh-CN" sz="2400" dirty="0">
+              <a:solidFill>
+                <a:schemeClr val="bg2">
+                  <a:lumMod val="25000"/>
+                </a:schemeClr>
+              </a:solidFill>
+            </a:endParaRPr>
+          </a:p>
+          <a:p>
+            <a:r>
+              <a:rPr lang="en-US" altLang="zh-CN" sz="2400" dirty="0">
+                <a:solidFill>
+                  <a:schemeClr val="bg2">
+                    <a:lumMod val="25000"/>
+                  </a:schemeClr>
+                </a:solidFill>
+              </a:rPr>
+              <a:t>	</a:t>
+            </a:r>
+            <a:r>
+              <a:rPr lang="zh-CN" altLang="zh-CN" sz="2400" dirty="0">
+                <a:solidFill>
+                  <a:schemeClr val="bg2">
+                    <a:lumMod val="25000"/>
+                  </a:schemeClr>
+                </a:solidFill>
+              </a:rPr>
+              <a:t>软件项目管理与软件需求，作为软件工程当中最为重要的组成几个部分，已经引起业内人士的高度重视，项目管理和需求工程概念的提出，就是为了把软件工程化，以更有效地开发需求，开发软件并实现有效的管理。为了使教师能够把最新，最前沿的关于项目管理和需求工程的信息传播给学生；为了学生能够利用网络得到老师帮助；为了师生之间，同学之间能够充分交流，沟通心得。这个软件工程系列课程教学辅助网站系统将提供这么一个垂直的交流平台。为教师和同学服务，也为项目管理，需求工程，统一建模等软件工程化课程的教学方法提供试验基地。</a:t>
+            </a:r>
+            <a:endParaRPr lang="en-US" altLang="zh-CN" sz="2400" dirty="0">
+              <a:solidFill>
+                <a:schemeClr val="bg2">
+                  <a:lumMod val="25000"/>
+                </a:schemeClr>
+              </a:solidFill>
+            </a:endParaRPr>
+          </a:p>
+          <a:p>
+            <a:pPr algn="r"/>
+            <a:r>
+              <a:rPr lang="en-US" altLang="zh-CN" sz="2400" dirty="0">
+                <a:solidFill>
+                  <a:schemeClr val="bg2">
+                    <a:lumMod val="25000"/>
+                  </a:schemeClr>
+                </a:solidFill>
+              </a:rPr>
+              <a:t>——</a:t>
+            </a:r>
+            <a:r>
+              <a:rPr lang="zh-CN" altLang="en-US" sz="2400" dirty="0">
+                <a:solidFill>
+                  <a:schemeClr val="bg2">
+                    <a:lumMod val="25000"/>
+                  </a:schemeClr>
+                </a:solidFill>
+              </a:rPr>
+              <a:t>见愿景与范围文档</a:t>
+            </a:r>
+          </a:p>
+        </p:txBody>
+      </p:sp>
+    </p:spTree>
+  </p:cSld>
+  <p:clrMapOvr>
+    <a:masterClrMapping/>
+  </p:clrMapOvr>
+</p:sld>
+</file>
+
+<file path=ppt/slides/slide40.xml><?xml version="1.0" encoding="utf-8"?>
 <p:sld xmlns:a="http://schemas.openxmlformats.org/drawingml/2006/main" xmlns:r="http://schemas.openxmlformats.org/officeDocument/2006/relationships" xmlns:p="http://schemas.openxmlformats.org/presentationml/2006/main">
   <p:cSld>
     <p:spTree>
@@ -27924,7 +27417,7 @@
 </p:sld>
 </file>
 
-<file path=ppt/slides/slide44.xml><?xml version="1.0" encoding="utf-8"?>
+<file path=ppt/slides/slide41.xml><?xml version="1.0" encoding="utf-8"?>
 <p:sld xmlns:a="http://schemas.openxmlformats.org/drawingml/2006/main" xmlns:r="http://schemas.openxmlformats.org/officeDocument/2006/relationships" xmlns:p="http://schemas.openxmlformats.org/presentationml/2006/main">
   <p:cSld>
     <p:spTree>
@@ -29411,7 +28904,7 @@
 </p:sld>
 </file>
 
-<file path=ppt/slides/slide45.xml><?xml version="1.0" encoding="utf-8"?>
+<file path=ppt/slides/slide42.xml><?xml version="1.0" encoding="utf-8"?>
 <p:sld xmlns:a="http://schemas.openxmlformats.org/drawingml/2006/main" xmlns:r="http://schemas.openxmlformats.org/officeDocument/2006/relationships" xmlns:p="http://schemas.openxmlformats.org/presentationml/2006/main">
   <p:cSld>
     <p:spTree>
@@ -30655,7 +30148,7 @@
 </p:sld>
 </file>
 
-<file path=ppt/slides/slide46.xml><?xml version="1.0" encoding="utf-8"?>
+<file path=ppt/slides/slide43.xml><?xml version="1.0" encoding="utf-8"?>
 <p:sld xmlns:a="http://schemas.openxmlformats.org/drawingml/2006/main" xmlns:r="http://schemas.openxmlformats.org/officeDocument/2006/relationships" xmlns:p="http://schemas.openxmlformats.org/presentationml/2006/main">
   <p:cSld>
     <p:spTree>
@@ -30918,7 +30411,7 @@
 </p:sld>
 </file>
 
-<file path=ppt/slides/slide47.xml><?xml version="1.0" encoding="utf-8"?>
+<file path=ppt/slides/slide44.xml><?xml version="1.0" encoding="utf-8"?>
 <p:sld xmlns:a="http://schemas.openxmlformats.org/drawingml/2006/main" xmlns:r="http://schemas.openxmlformats.org/officeDocument/2006/relationships" xmlns:p="http://schemas.openxmlformats.org/presentationml/2006/main">
   <p:cSld>
     <p:spTree>
@@ -31158,7 +30651,7 @@
 </p:sld>
 </file>
 
-<file path=ppt/slides/slide48.xml><?xml version="1.0" encoding="utf-8"?>
+<file path=ppt/slides/slide45.xml><?xml version="1.0" encoding="utf-8"?>
 <p:sld xmlns:a="http://schemas.openxmlformats.org/drawingml/2006/main" xmlns:r="http://schemas.openxmlformats.org/officeDocument/2006/relationships" xmlns:p="http://schemas.openxmlformats.org/presentationml/2006/main">
   <p:cSld>
     <p:spTree>
@@ -32696,7 +32189,7 @@
 </p:sld>
 </file>
 
-<file path=ppt/slides/slide49.xml><?xml version="1.0" encoding="utf-8"?>
+<file path=ppt/slides/slide46.xml><?xml version="1.0" encoding="utf-8"?>
 <p:sld xmlns:a="http://schemas.openxmlformats.org/drawingml/2006/main" xmlns:r="http://schemas.openxmlformats.org/officeDocument/2006/relationships" xmlns:p="http://schemas.openxmlformats.org/presentationml/2006/main">
   <p:cSld>
     <p:spTree>
@@ -33086,6 +32579,326 @@
 </p:sld>
 </file>
 
+<file path=ppt/slides/slide47.xml><?xml version="1.0" encoding="utf-8"?>
+<p:sld xmlns:a="http://schemas.openxmlformats.org/drawingml/2006/main" xmlns:r="http://schemas.openxmlformats.org/officeDocument/2006/relationships" xmlns:p="http://schemas.openxmlformats.org/presentationml/2006/main">
+  <p:cSld>
+    <p:spTree>
+      <p:nvGrpSpPr>
+        <p:cNvPr id="1" name=""/>
+        <p:cNvGrpSpPr/>
+        <p:nvPr/>
+      </p:nvGrpSpPr>
+      <p:grpSpPr>
+        <a:xfrm>
+          <a:off x="0" y="0"/>
+          <a:ext cx="0" cy="0"/>
+          <a:chOff x="0" y="0"/>
+          <a:chExt cx="0" cy="0"/>
+        </a:xfrm>
+      </p:grpSpPr>
+      <p:grpSp>
+        <p:nvGrpSpPr>
+          <p:cNvPr id="8" name="组合 7"/>
+          <p:cNvGrpSpPr/>
+          <p:nvPr/>
+        </p:nvGrpSpPr>
+        <p:grpSpPr>
+          <a:xfrm>
+            <a:off x="3150870" y="-7620"/>
+            <a:ext cx="5854700" cy="2067560"/>
+            <a:chOff x="4235" y="0"/>
+            <a:chExt cx="10192" cy="3964"/>
+          </a:xfrm>
+        </p:grpSpPr>
+        <p:grpSp>
+          <p:nvGrpSpPr>
+            <p:cNvPr id="6" name="组合 5"/>
+            <p:cNvGrpSpPr/>
+            <p:nvPr/>
+          </p:nvGrpSpPr>
+          <p:grpSpPr>
+            <a:xfrm>
+              <a:off x="4235" y="0"/>
+              <a:ext cx="9919" cy="3964"/>
+              <a:chOff x="4235" y="0"/>
+              <a:chExt cx="9919" cy="3964"/>
+            </a:xfrm>
+          </p:grpSpPr>
+          <p:pic>
+            <p:nvPicPr>
+              <p:cNvPr id="4" name="图片 3" descr="400083054"/>
+              <p:cNvPicPr>
+                <a:picLocks noChangeAspect="1"/>
+              </p:cNvPicPr>
+              <p:nvPr/>
+            </p:nvPicPr>
+            <p:blipFill>
+              <a:blip r:embed="rId3"/>
+              <a:srcRect l="20170" r="22753" b="67620"/>
+              <a:stretch>
+                <a:fillRect/>
+              </a:stretch>
+            </p:blipFill>
+            <p:spPr>
+              <a:xfrm>
+                <a:off x="5114" y="0"/>
+                <a:ext cx="9041" cy="3419"/>
+              </a:xfrm>
+              <a:prstGeom prst="rect">
+                <a:avLst/>
+              </a:prstGeom>
+            </p:spPr>
+          </p:pic>
+          <p:sp>
+            <p:nvSpPr>
+              <p:cNvPr id="5" name="矩形 4"/>
+              <p:cNvSpPr/>
+              <p:nvPr/>
+            </p:nvSpPr>
+            <p:spPr>
+              <a:xfrm>
+                <a:off x="4235" y="2664"/>
+                <a:ext cx="5124" cy="1301"/>
+              </a:xfrm>
+              <a:prstGeom prst="rect">
+                <a:avLst/>
+              </a:prstGeom>
+              <a:solidFill>
+                <a:srgbClr val="FFFFFF"/>
+              </a:solidFill>
+              <a:ln>
+                <a:noFill/>
+              </a:ln>
+            </p:spPr>
+            <p:style>
+              <a:lnRef idx="2">
+                <a:schemeClr val="accent1">
+                  <a:shade val="50000"/>
+                </a:schemeClr>
+              </a:lnRef>
+              <a:fillRef idx="1">
+                <a:schemeClr val="accent1"/>
+              </a:fillRef>
+              <a:effectRef idx="0">
+                <a:schemeClr val="accent1"/>
+              </a:effectRef>
+              <a:fontRef idx="minor">
+                <a:schemeClr val="lt1"/>
+              </a:fontRef>
+            </p:style>
+            <p:txBody>
+              <a:bodyPr rtlCol="0" anchor="ctr"/>
+              <a:lstStyle/>
+              <a:p>
+                <a:pPr algn="ctr"/>
+                <a:endParaRPr lang="zh-CN" altLang="en-US"/>
+              </a:p>
+            </p:txBody>
+          </p:sp>
+        </p:grpSp>
+        <p:sp>
+          <p:nvSpPr>
+            <p:cNvPr id="7" name="矩形 6"/>
+            <p:cNvSpPr/>
+            <p:nvPr/>
+          </p:nvSpPr>
+          <p:spPr>
+            <a:xfrm>
+              <a:off x="10619" y="2386"/>
+              <a:ext cx="3809" cy="1335"/>
+            </a:xfrm>
+            <a:prstGeom prst="rect">
+              <a:avLst/>
+            </a:prstGeom>
+            <a:solidFill>
+              <a:srgbClr val="FFFFFF"/>
+            </a:solidFill>
+            <a:ln>
+              <a:noFill/>
+            </a:ln>
+          </p:spPr>
+          <p:style>
+            <a:lnRef idx="2">
+              <a:schemeClr val="accent1">
+                <a:shade val="50000"/>
+              </a:schemeClr>
+            </a:lnRef>
+            <a:fillRef idx="1">
+              <a:schemeClr val="accent1"/>
+            </a:fillRef>
+            <a:effectRef idx="0">
+              <a:schemeClr val="accent1"/>
+            </a:effectRef>
+            <a:fontRef idx="minor">
+              <a:schemeClr val="lt1"/>
+            </a:fontRef>
+          </p:style>
+          <p:txBody>
+            <a:bodyPr rtlCol="0" anchor="ctr"/>
+            <a:lstStyle/>
+            <a:p>
+              <a:pPr algn="ctr"/>
+              <a:endParaRPr lang="zh-CN" altLang="en-US"/>
+            </a:p>
+          </p:txBody>
+        </p:sp>
+      </p:grpSp>
+      <p:grpSp>
+        <p:nvGrpSpPr>
+          <p:cNvPr id="10" name="组合 9"/>
+          <p:cNvGrpSpPr/>
+          <p:nvPr/>
+        </p:nvGrpSpPr>
+        <p:grpSpPr>
+          <a:xfrm>
+            <a:off x="12700" y="3928110"/>
+            <a:ext cx="12181840" cy="2939415"/>
+            <a:chOff x="20" y="5946"/>
+            <a:chExt cx="19184" cy="4852"/>
+          </a:xfrm>
+        </p:grpSpPr>
+        <p:pic>
+          <p:nvPicPr>
+            <p:cNvPr id="3" name="图片 2" descr="400083054"/>
+            <p:cNvPicPr>
+              <a:picLocks noChangeAspect="1"/>
+            </p:cNvPicPr>
+            <p:nvPr/>
+          </p:nvPicPr>
+          <p:blipFill>
+            <a:blip r:embed="rId3"/>
+            <a:srcRect t="62118"/>
+            <a:stretch>
+              <a:fillRect/>
+            </a:stretch>
+          </p:blipFill>
+          <p:spPr>
+            <a:xfrm>
+              <a:off x="20" y="5946"/>
+              <a:ext cx="19184" cy="4853"/>
+            </a:xfrm>
+            <a:prstGeom prst="rect">
+              <a:avLst/>
+            </a:prstGeom>
+          </p:spPr>
+        </p:pic>
+        <p:sp>
+          <p:nvSpPr>
+            <p:cNvPr id="9" name="矩形 8"/>
+            <p:cNvSpPr/>
+            <p:nvPr/>
+          </p:nvSpPr>
+          <p:spPr>
+            <a:xfrm>
+              <a:off x="4038" y="6139"/>
+              <a:ext cx="11616" cy="1335"/>
+            </a:xfrm>
+            <a:prstGeom prst="rect">
+              <a:avLst/>
+            </a:prstGeom>
+            <a:solidFill>
+              <a:srgbClr val="FFFFFF"/>
+            </a:solidFill>
+            <a:ln>
+              <a:noFill/>
+            </a:ln>
+          </p:spPr>
+          <p:style>
+            <a:lnRef idx="2">
+              <a:schemeClr val="accent1">
+                <a:shade val="50000"/>
+              </a:schemeClr>
+            </a:lnRef>
+            <a:fillRef idx="1">
+              <a:schemeClr val="accent1"/>
+            </a:fillRef>
+            <a:effectRef idx="0">
+              <a:schemeClr val="accent1"/>
+            </a:effectRef>
+            <a:fontRef idx="minor">
+              <a:schemeClr val="lt1"/>
+            </a:fontRef>
+          </p:style>
+          <p:txBody>
+            <a:bodyPr rtlCol="0" anchor="ctr"/>
+            <a:lstStyle/>
+            <a:p>
+              <a:pPr algn="ctr"/>
+              <a:endParaRPr lang="zh-CN" altLang="en-US"/>
+            </a:p>
+          </p:txBody>
+        </p:sp>
+      </p:grpSp>
+      <p:sp>
+        <p:nvSpPr>
+          <p:cNvPr id="16" name="TextBox 13"/>
+          <p:cNvSpPr txBox="1"/>
+          <p:nvPr/>
+        </p:nvSpPr>
+        <p:spPr>
+          <a:xfrm>
+            <a:off x="2638425" y="2563378"/>
+            <a:ext cx="7227570" cy="1731243"/>
+          </a:xfrm>
+          <a:prstGeom prst="rect">
+            <a:avLst/>
+          </a:prstGeom>
+          <a:noFill/>
+        </p:spPr>
+        <p:txBody>
+          <a:bodyPr wrap="square" lIns="68580" tIns="34290" rIns="68580" bIns="34290" rtlCol="0">
+            <a:spAutoFit/>
+          </a:bodyPr>
+          <a:lstStyle/>
+          <a:p>
+            <a:pPr algn="ctr"/>
+            <a:r>
+              <a:rPr lang="en-US" sz="5400" dirty="0">
+                <a:solidFill>
+                  <a:schemeClr val="bg2">
+                    <a:lumMod val="50000"/>
+                  </a:schemeClr>
+                </a:solidFill>
+                <a:latin typeface="微软雅黑" panose="020B0503020204020204" charset="-122"/>
+                <a:ea typeface="微软雅黑" panose="020B0503020204020204" charset="-122"/>
+              </a:rPr>
+              <a:t>THANK YOU</a:t>
+            </a:r>
+          </a:p>
+          <a:p>
+            <a:pPr algn="ctr"/>
+            <a:r>
+              <a:rPr lang="en-US" altLang="zh-CN" sz="5400" dirty="0">
+                <a:solidFill>
+                  <a:schemeClr val="bg2">
+                    <a:lumMod val="50000"/>
+                  </a:schemeClr>
+                </a:solidFill>
+                <a:latin typeface="微软雅黑" panose="020B0503020204020204" charset="-122"/>
+                <a:ea typeface="微软雅黑" panose="020B0503020204020204" charset="-122"/>
+              </a:rPr>
+              <a:t>HAPPY NEW YEAR</a:t>
+            </a:r>
+            <a:endParaRPr lang="zh-CN" altLang="en-US" sz="5400" dirty="0">
+              <a:solidFill>
+                <a:schemeClr val="bg2">
+                  <a:lumMod val="50000"/>
+                </a:schemeClr>
+              </a:solidFill>
+              <a:latin typeface="微软雅黑" panose="020B0503020204020204" charset="-122"/>
+              <a:ea typeface="微软雅黑" panose="020B0503020204020204" charset="-122"/>
+            </a:endParaRPr>
+          </a:p>
+        </p:txBody>
+      </p:sp>
+    </p:spTree>
+  </p:cSld>
+  <p:clrMapOvr>
+    <a:masterClrMapping/>
+  </p:clrMapOvr>
+</p:sld>
+</file>
+
 <file path=ppt/slides/slide5.xml><?xml version="1.0" encoding="utf-8"?>
 <p:sld xmlns:a="http://schemas.openxmlformats.org/drawingml/2006/main" xmlns:r="http://schemas.openxmlformats.org/officeDocument/2006/relationships" xmlns:p="http://schemas.openxmlformats.org/presentationml/2006/main">
   <p:cSld>
@@ -33406,326 +33219,6 @@
         <p14:creationId xmlns:p14="http://schemas.microsoft.com/office/powerpoint/2010/main" val="234437342"/>
       </p:ext>
     </p:extLst>
-  </p:cSld>
-  <p:clrMapOvr>
-    <a:masterClrMapping/>
-  </p:clrMapOvr>
-</p:sld>
-</file>
-
-<file path=ppt/slides/slide50.xml><?xml version="1.0" encoding="utf-8"?>
-<p:sld xmlns:a="http://schemas.openxmlformats.org/drawingml/2006/main" xmlns:r="http://schemas.openxmlformats.org/officeDocument/2006/relationships" xmlns:p="http://schemas.openxmlformats.org/presentationml/2006/main">
-  <p:cSld>
-    <p:spTree>
-      <p:nvGrpSpPr>
-        <p:cNvPr id="1" name=""/>
-        <p:cNvGrpSpPr/>
-        <p:nvPr/>
-      </p:nvGrpSpPr>
-      <p:grpSpPr>
-        <a:xfrm>
-          <a:off x="0" y="0"/>
-          <a:ext cx="0" cy="0"/>
-          <a:chOff x="0" y="0"/>
-          <a:chExt cx="0" cy="0"/>
-        </a:xfrm>
-      </p:grpSpPr>
-      <p:grpSp>
-        <p:nvGrpSpPr>
-          <p:cNvPr id="8" name="组合 7"/>
-          <p:cNvGrpSpPr/>
-          <p:nvPr/>
-        </p:nvGrpSpPr>
-        <p:grpSpPr>
-          <a:xfrm>
-            <a:off x="3150870" y="-7620"/>
-            <a:ext cx="5854700" cy="2067560"/>
-            <a:chOff x="4235" y="0"/>
-            <a:chExt cx="10192" cy="3964"/>
-          </a:xfrm>
-        </p:grpSpPr>
-        <p:grpSp>
-          <p:nvGrpSpPr>
-            <p:cNvPr id="6" name="组合 5"/>
-            <p:cNvGrpSpPr/>
-            <p:nvPr/>
-          </p:nvGrpSpPr>
-          <p:grpSpPr>
-            <a:xfrm>
-              <a:off x="4235" y="0"/>
-              <a:ext cx="9919" cy="3964"/>
-              <a:chOff x="4235" y="0"/>
-              <a:chExt cx="9919" cy="3964"/>
-            </a:xfrm>
-          </p:grpSpPr>
-          <p:pic>
-            <p:nvPicPr>
-              <p:cNvPr id="4" name="图片 3" descr="400083054"/>
-              <p:cNvPicPr>
-                <a:picLocks noChangeAspect="1"/>
-              </p:cNvPicPr>
-              <p:nvPr/>
-            </p:nvPicPr>
-            <p:blipFill>
-              <a:blip r:embed="rId3"/>
-              <a:srcRect l="20170" r="22753" b="67620"/>
-              <a:stretch>
-                <a:fillRect/>
-              </a:stretch>
-            </p:blipFill>
-            <p:spPr>
-              <a:xfrm>
-                <a:off x="5114" y="0"/>
-                <a:ext cx="9041" cy="3419"/>
-              </a:xfrm>
-              <a:prstGeom prst="rect">
-                <a:avLst/>
-              </a:prstGeom>
-            </p:spPr>
-          </p:pic>
-          <p:sp>
-            <p:nvSpPr>
-              <p:cNvPr id="5" name="矩形 4"/>
-              <p:cNvSpPr/>
-              <p:nvPr/>
-            </p:nvSpPr>
-            <p:spPr>
-              <a:xfrm>
-                <a:off x="4235" y="2664"/>
-                <a:ext cx="5124" cy="1301"/>
-              </a:xfrm>
-              <a:prstGeom prst="rect">
-                <a:avLst/>
-              </a:prstGeom>
-              <a:solidFill>
-                <a:srgbClr val="FFFFFF"/>
-              </a:solidFill>
-              <a:ln>
-                <a:noFill/>
-              </a:ln>
-            </p:spPr>
-            <p:style>
-              <a:lnRef idx="2">
-                <a:schemeClr val="accent1">
-                  <a:shade val="50000"/>
-                </a:schemeClr>
-              </a:lnRef>
-              <a:fillRef idx="1">
-                <a:schemeClr val="accent1"/>
-              </a:fillRef>
-              <a:effectRef idx="0">
-                <a:schemeClr val="accent1"/>
-              </a:effectRef>
-              <a:fontRef idx="minor">
-                <a:schemeClr val="lt1"/>
-              </a:fontRef>
-            </p:style>
-            <p:txBody>
-              <a:bodyPr rtlCol="0" anchor="ctr"/>
-              <a:lstStyle/>
-              <a:p>
-                <a:pPr algn="ctr"/>
-                <a:endParaRPr lang="zh-CN" altLang="en-US"/>
-              </a:p>
-            </p:txBody>
-          </p:sp>
-        </p:grpSp>
-        <p:sp>
-          <p:nvSpPr>
-            <p:cNvPr id="7" name="矩形 6"/>
-            <p:cNvSpPr/>
-            <p:nvPr/>
-          </p:nvSpPr>
-          <p:spPr>
-            <a:xfrm>
-              <a:off x="10619" y="2386"/>
-              <a:ext cx="3809" cy="1335"/>
-            </a:xfrm>
-            <a:prstGeom prst="rect">
-              <a:avLst/>
-            </a:prstGeom>
-            <a:solidFill>
-              <a:srgbClr val="FFFFFF"/>
-            </a:solidFill>
-            <a:ln>
-              <a:noFill/>
-            </a:ln>
-          </p:spPr>
-          <p:style>
-            <a:lnRef idx="2">
-              <a:schemeClr val="accent1">
-                <a:shade val="50000"/>
-              </a:schemeClr>
-            </a:lnRef>
-            <a:fillRef idx="1">
-              <a:schemeClr val="accent1"/>
-            </a:fillRef>
-            <a:effectRef idx="0">
-              <a:schemeClr val="accent1"/>
-            </a:effectRef>
-            <a:fontRef idx="minor">
-              <a:schemeClr val="lt1"/>
-            </a:fontRef>
-          </p:style>
-          <p:txBody>
-            <a:bodyPr rtlCol="0" anchor="ctr"/>
-            <a:lstStyle/>
-            <a:p>
-              <a:pPr algn="ctr"/>
-              <a:endParaRPr lang="zh-CN" altLang="en-US"/>
-            </a:p>
-          </p:txBody>
-        </p:sp>
-      </p:grpSp>
-      <p:grpSp>
-        <p:nvGrpSpPr>
-          <p:cNvPr id="10" name="组合 9"/>
-          <p:cNvGrpSpPr/>
-          <p:nvPr/>
-        </p:nvGrpSpPr>
-        <p:grpSpPr>
-          <a:xfrm>
-            <a:off x="12700" y="3928110"/>
-            <a:ext cx="12181840" cy="2939415"/>
-            <a:chOff x="20" y="5946"/>
-            <a:chExt cx="19184" cy="4852"/>
-          </a:xfrm>
-        </p:grpSpPr>
-        <p:pic>
-          <p:nvPicPr>
-            <p:cNvPr id="3" name="图片 2" descr="400083054"/>
-            <p:cNvPicPr>
-              <a:picLocks noChangeAspect="1"/>
-            </p:cNvPicPr>
-            <p:nvPr/>
-          </p:nvPicPr>
-          <p:blipFill>
-            <a:blip r:embed="rId3"/>
-            <a:srcRect t="62118"/>
-            <a:stretch>
-              <a:fillRect/>
-            </a:stretch>
-          </p:blipFill>
-          <p:spPr>
-            <a:xfrm>
-              <a:off x="20" y="5946"/>
-              <a:ext cx="19184" cy="4853"/>
-            </a:xfrm>
-            <a:prstGeom prst="rect">
-              <a:avLst/>
-            </a:prstGeom>
-          </p:spPr>
-        </p:pic>
-        <p:sp>
-          <p:nvSpPr>
-            <p:cNvPr id="9" name="矩形 8"/>
-            <p:cNvSpPr/>
-            <p:nvPr/>
-          </p:nvSpPr>
-          <p:spPr>
-            <a:xfrm>
-              <a:off x="4038" y="6139"/>
-              <a:ext cx="11616" cy="1335"/>
-            </a:xfrm>
-            <a:prstGeom prst="rect">
-              <a:avLst/>
-            </a:prstGeom>
-            <a:solidFill>
-              <a:srgbClr val="FFFFFF"/>
-            </a:solidFill>
-            <a:ln>
-              <a:noFill/>
-            </a:ln>
-          </p:spPr>
-          <p:style>
-            <a:lnRef idx="2">
-              <a:schemeClr val="accent1">
-                <a:shade val="50000"/>
-              </a:schemeClr>
-            </a:lnRef>
-            <a:fillRef idx="1">
-              <a:schemeClr val="accent1"/>
-            </a:fillRef>
-            <a:effectRef idx="0">
-              <a:schemeClr val="accent1"/>
-            </a:effectRef>
-            <a:fontRef idx="minor">
-              <a:schemeClr val="lt1"/>
-            </a:fontRef>
-          </p:style>
-          <p:txBody>
-            <a:bodyPr rtlCol="0" anchor="ctr"/>
-            <a:lstStyle/>
-            <a:p>
-              <a:pPr algn="ctr"/>
-              <a:endParaRPr lang="zh-CN" altLang="en-US"/>
-            </a:p>
-          </p:txBody>
-        </p:sp>
-      </p:grpSp>
-      <p:sp>
-        <p:nvSpPr>
-          <p:cNvPr id="16" name="TextBox 13"/>
-          <p:cNvSpPr txBox="1"/>
-          <p:nvPr/>
-        </p:nvSpPr>
-        <p:spPr>
-          <a:xfrm>
-            <a:off x="2638425" y="2563378"/>
-            <a:ext cx="7227570" cy="1731243"/>
-          </a:xfrm>
-          <a:prstGeom prst="rect">
-            <a:avLst/>
-          </a:prstGeom>
-          <a:noFill/>
-        </p:spPr>
-        <p:txBody>
-          <a:bodyPr wrap="square" lIns="68580" tIns="34290" rIns="68580" bIns="34290" rtlCol="0">
-            <a:spAutoFit/>
-          </a:bodyPr>
-          <a:lstStyle/>
-          <a:p>
-            <a:pPr algn="ctr"/>
-            <a:r>
-              <a:rPr lang="en-US" sz="5400" dirty="0">
-                <a:solidFill>
-                  <a:schemeClr val="bg2">
-                    <a:lumMod val="50000"/>
-                  </a:schemeClr>
-                </a:solidFill>
-                <a:latin typeface="微软雅黑" panose="020B0503020204020204" charset="-122"/>
-                <a:ea typeface="微软雅黑" panose="020B0503020204020204" charset="-122"/>
-              </a:rPr>
-              <a:t>THANK YOU</a:t>
-            </a:r>
-          </a:p>
-          <a:p>
-            <a:pPr algn="ctr"/>
-            <a:r>
-              <a:rPr lang="en-US" altLang="zh-CN" sz="5400" dirty="0">
-                <a:solidFill>
-                  <a:schemeClr val="bg2">
-                    <a:lumMod val="50000"/>
-                  </a:schemeClr>
-                </a:solidFill>
-                <a:latin typeface="微软雅黑" panose="020B0503020204020204" charset="-122"/>
-                <a:ea typeface="微软雅黑" panose="020B0503020204020204" charset="-122"/>
-              </a:rPr>
-              <a:t>HAPPY NEW YEAR</a:t>
-            </a:r>
-            <a:endParaRPr lang="zh-CN" altLang="en-US" sz="5400" dirty="0">
-              <a:solidFill>
-                <a:schemeClr val="bg2">
-                  <a:lumMod val="50000"/>
-                </a:schemeClr>
-              </a:solidFill>
-              <a:latin typeface="微软雅黑" panose="020B0503020204020204" charset="-122"/>
-              <a:ea typeface="微软雅黑" panose="020B0503020204020204" charset="-122"/>
-            </a:endParaRPr>
-          </a:p>
-        </p:txBody>
-      </p:sp>
-    </p:spTree>
   </p:cSld>
   <p:clrMapOvr>
     <a:masterClrMapping/>
